--- a/Mini Mobile Banking.pptx
+++ b/Mini Mobile Banking.pptx
@@ -10,7 +10,14 @@
     <p:sldId id="333" r:id="rId7"/>
     <p:sldId id="350" r:id="rId8"/>
     <p:sldId id="265" r:id="rId9"/>
-    <p:sldId id="351" r:id="rId10"/>
+    <p:sldId id="356" r:id="rId10"/>
+    <p:sldId id="351" r:id="rId11"/>
+    <p:sldId id="352" r:id="rId12"/>
+    <p:sldId id="353" r:id="rId13"/>
+    <p:sldId id="358" r:id="rId14"/>
+    <p:sldId id="354" r:id="rId15"/>
+    <p:sldId id="355" r:id="rId16"/>
+    <p:sldId id="357" r:id="rId17"/>
   </p:sldIdLst>
   <p:sldSz cx="12192000" cy="6858000"/>
   <p:notesSz cx="6858000" cy="9144000"/>
@@ -320,7 +327,7 @@
           <a:p>
             <a:fld id="{9184DA70-C731-4C70-880D-CCD4705E623C}" type="datetime1">
               <a:rPr lang="en-US" smtClean="0"/>
-              <a:t>12/23/2020</a:t>
+              <a:t>12/28/2020</a:t>
             </a:fld>
             <a:endParaRPr lang="en-US" dirty="0"/>
           </a:p>
@@ -858,7 +865,7 @@
           <a:p>
             <a:fld id="{4EDE50D6-574B-40AF-946F-D52A04ADE379}" type="datetime1">
               <a:rPr lang="en-US" smtClean="0"/>
-              <a:t>12/23/2020</a:t>
+              <a:t>12/28/2020</a:t>
             </a:fld>
             <a:endParaRPr lang="en-US" dirty="0"/>
           </a:p>
@@ -1624,7 +1631,7 @@
           <a:p>
             <a:fld id="{4BE1D723-8F53-4F53-90B0-1982A396982E}" type="datetime1">
               <a:rPr lang="en-US" smtClean="0"/>
-              <a:t>12/23/2020</a:t>
+              <a:t>12/28/2020</a:t>
             </a:fld>
             <a:endParaRPr lang="en-US" dirty="0"/>
           </a:p>
@@ -2321,7 +2328,7 @@
           <a:p>
             <a:fld id="{4BE1D723-8F53-4F53-90B0-1982A396982E}" type="datetime1">
               <a:rPr lang="en-US" smtClean="0"/>
-              <a:t>12/23/2020</a:t>
+              <a:t>12/28/2020</a:t>
             </a:fld>
             <a:endParaRPr lang="en-US" dirty="0"/>
           </a:p>
@@ -3400,7 +3407,7 @@
           <a:p>
             <a:fld id="{97669AF7-7BEB-44E4-9852-375E34362B5B}" type="datetime1">
               <a:rPr lang="en-US" smtClean="0"/>
-              <a:t>12/23/2020</a:t>
+              <a:t>12/28/2020</a:t>
             </a:fld>
             <a:endParaRPr lang="en-US" dirty="0"/>
           </a:p>
@@ -4228,7 +4235,7 @@
           <a:p>
             <a:fld id="{BAAAC38D-0552-4C82-B593-E6124DFADBE2}" type="datetime1">
               <a:rPr lang="en-US" smtClean="0"/>
-              <a:t>12/23/2020</a:t>
+              <a:t>12/28/2020</a:t>
             </a:fld>
             <a:endParaRPr lang="en-US" dirty="0"/>
           </a:p>
@@ -5181,7 +5188,7 @@
           <a:p>
             <a:fld id="{D9DF0F1C-5577-4ACB-BB62-DF8F3C494C7E}" type="datetime1">
               <a:rPr lang="en-US" smtClean="0"/>
-              <a:t>12/23/2020</a:t>
+              <a:t>12/28/2020</a:t>
             </a:fld>
             <a:endParaRPr lang="en-US" dirty="0"/>
           </a:p>
@@ -5878,7 +5885,7 @@
           <a:p>
             <a:fld id="{1775B394-D9F9-4F0C-B15D-605F45CB9E9F}" type="datetime1">
               <a:rPr lang="en-US" smtClean="0"/>
-              <a:t>12/23/2020</a:t>
+              <a:t>12/28/2020</a:t>
             </a:fld>
             <a:endParaRPr lang="en-US" dirty="0"/>
           </a:p>
@@ -6575,7 +6582,7 @@
           <a:p>
             <a:fld id="{1775B394-D9F9-4F0C-B15D-605F45CB9E9F}" type="datetime1">
               <a:rPr lang="en-US" smtClean="0"/>
-              <a:t>12/23/2020</a:t>
+              <a:t>12/28/2020</a:t>
             </a:fld>
             <a:endParaRPr lang="en-US" dirty="0"/>
           </a:p>
@@ -7282,7 +7289,7 @@
           <a:p>
             <a:fld id="{39667345-2558-425A-8533-9BFDBCE15005}" type="datetime1">
               <a:rPr lang="en-US" smtClean="0"/>
-              <a:t>12/23/2020</a:t>
+              <a:t>12/28/2020</a:t>
             </a:fld>
             <a:endParaRPr lang="en-US" dirty="0"/>
           </a:p>
@@ -7505,7 +7512,7 @@
           <a:p>
             <a:fld id="{62D6E202-B606-4609-B914-27C9371A1F6D}" type="datetime1">
               <a:rPr lang="en-US" smtClean="0"/>
-              <a:t>12/23/2020</a:t>
+              <a:t>12/28/2020</a:t>
             </a:fld>
             <a:endParaRPr lang="en-US" dirty="0"/>
           </a:p>
@@ -8068,6 +8075,1167 @@
 </p:sld>
 </file>
 
+<file path=ppt/slides/slide10.xml><?xml version="1.0" encoding="utf-8"?>
+<p:sld xmlns:a="http://schemas.openxmlformats.org/drawingml/2006/main" xmlns:r="http://schemas.openxmlformats.org/officeDocument/2006/relationships" xmlns:p="http://schemas.openxmlformats.org/presentationml/2006/main">
+  <p:cSld>
+    <p:spTree>
+      <p:nvGrpSpPr>
+        <p:cNvPr id="1" name=""/>
+        <p:cNvGrpSpPr/>
+        <p:nvPr/>
+      </p:nvGrpSpPr>
+      <p:grpSpPr>
+        <a:xfrm>
+          <a:off x="0" y="0"/>
+          <a:ext cx="0" cy="0"/>
+          <a:chOff x="0" y="0"/>
+          <a:chExt cx="0" cy="0"/>
+        </a:xfrm>
+      </p:grpSpPr>
+      <p:sp>
+        <p:nvSpPr>
+          <p:cNvPr id="3" name="Title 2"/>
+          <p:cNvSpPr>
+            <a:spLocks noGrp="1"/>
+          </p:cNvSpPr>
+          <p:nvPr>
+            <p:ph type="title"/>
+          </p:nvPr>
+        </p:nvSpPr>
+        <p:spPr/>
+        <p:txBody>
+          <a:bodyPr/>
+          <a:lstStyle/>
+          <a:p>
+            <a:r>
+              <a:rPr lang="en-US" dirty="0" err="1" smtClean="0"/>
+              <a:t>Userflow</a:t>
+            </a:r>
+            <a:endParaRPr lang="en-US" dirty="0"/>
+          </a:p>
+        </p:txBody>
+      </p:sp>
+      <p:pic>
+        <p:nvPicPr>
+          <p:cNvPr id="6" name="Content Placeholder 5"/>
+          <p:cNvPicPr>
+            <a:picLocks noGrp="1" noChangeAspect="1"/>
+          </p:cNvPicPr>
+          <p:nvPr>
+            <p:ph idx="1"/>
+          </p:nvPr>
+        </p:nvPicPr>
+        <p:blipFill>
+          <a:blip r:embed="rId2">
+            <a:extLst>
+              <a:ext uri="{28A0092B-C50C-407E-A947-70E740481C1C}">
+                <a14:useLocalDpi xmlns:a14="http://schemas.microsoft.com/office/drawing/2010/main" val="0"/>
+              </a:ext>
+            </a:extLst>
+          </a:blip>
+          <a:stretch>
+            <a:fillRect/>
+          </a:stretch>
+        </p:blipFill>
+        <p:spPr>
+          <a:xfrm>
+            <a:off x="1999996" y="1865336"/>
+            <a:ext cx="8252968" cy="3578487"/>
+          </a:xfrm>
+        </p:spPr>
+      </p:pic>
+    </p:spTree>
+    <p:extLst>
+      <p:ext uri="{BB962C8B-B14F-4D97-AF65-F5344CB8AC3E}">
+        <p14:creationId xmlns:p14="http://schemas.microsoft.com/office/powerpoint/2010/main" val="3803164764"/>
+      </p:ext>
+    </p:extLst>
+  </p:cSld>
+  <p:clrMapOvr>
+    <a:masterClrMapping/>
+  </p:clrMapOvr>
+</p:sld>
+</file>
+
+<file path=ppt/slides/slide11.xml><?xml version="1.0" encoding="utf-8"?>
+<p:sld xmlns:a="http://schemas.openxmlformats.org/drawingml/2006/main" xmlns:r="http://schemas.openxmlformats.org/officeDocument/2006/relationships" xmlns:p="http://schemas.openxmlformats.org/presentationml/2006/main">
+  <p:cSld>
+    <p:spTree>
+      <p:nvGrpSpPr>
+        <p:cNvPr id="1" name=""/>
+        <p:cNvGrpSpPr/>
+        <p:nvPr/>
+      </p:nvGrpSpPr>
+      <p:grpSpPr>
+        <a:xfrm>
+          <a:off x="0" y="0"/>
+          <a:ext cx="0" cy="0"/>
+          <a:chOff x="0" y="0"/>
+          <a:chExt cx="0" cy="0"/>
+        </a:xfrm>
+      </p:grpSpPr>
+      <p:graphicFrame>
+        <p:nvGraphicFramePr>
+          <p:cNvPr id="5" name="Content Placeholder 4"/>
+          <p:cNvGraphicFramePr>
+            <a:graphicFrameLocks noGrp="1"/>
+          </p:cNvGraphicFramePr>
+          <p:nvPr>
+            <p:ph idx="1"/>
+            <p:extLst>
+              <p:ext uri="{D42A27DB-BD31-4B8C-83A1-F6EECF244321}">
+                <p14:modId xmlns:p14="http://schemas.microsoft.com/office/powerpoint/2010/main" val="3841766567"/>
+              </p:ext>
+            </p:extLst>
+          </p:nvPr>
+        </p:nvGraphicFramePr>
+        <p:xfrm>
+          <a:off x="1097280" y="2537968"/>
+          <a:ext cx="10058400" cy="2595880"/>
+        </p:xfrm>
+        <a:graphic>
+          <a:graphicData uri="http://schemas.openxmlformats.org/drawingml/2006/table">
+            <a:tbl>
+              <a:tblPr firstRow="1" bandRow="1">
+                <a:tableStyleId>{5C22544A-7EE6-4342-B048-85BDC9FD1C3A}</a:tableStyleId>
+              </a:tblPr>
+              <a:tblGrid>
+                <a:gridCol w="1975104">
+                  <a:extLst>
+                    <a:ext uri="{9D8B030D-6E8A-4147-A177-3AD203B41FA5}">
+                      <a16:colId xmlns:a16="http://schemas.microsoft.com/office/drawing/2014/main" val="3102294725"/>
+                    </a:ext>
+                  </a:extLst>
+                </a:gridCol>
+                <a:gridCol w="5376672">
+                  <a:extLst>
+                    <a:ext uri="{9D8B030D-6E8A-4147-A177-3AD203B41FA5}">
+                      <a16:colId xmlns:a16="http://schemas.microsoft.com/office/drawing/2014/main" val="3126570781"/>
+                    </a:ext>
+                  </a:extLst>
+                </a:gridCol>
+                <a:gridCol w="2706624">
+                  <a:extLst>
+                    <a:ext uri="{9D8B030D-6E8A-4147-A177-3AD203B41FA5}">
+                      <a16:colId xmlns:a16="http://schemas.microsoft.com/office/drawing/2014/main" val="740299750"/>
+                    </a:ext>
+                  </a:extLst>
+                </a:gridCol>
+              </a:tblGrid>
+              <a:tr h="370840">
+                <a:tc>
+                  <a:txBody>
+                    <a:bodyPr/>
+                    <a:lstStyle/>
+                    <a:p>
+                      <a:pPr algn="ctr"/>
+                      <a:r>
+                        <a:rPr lang="en-US" dirty="0" smtClean="0"/>
+                        <a:t>Method</a:t>
+                      </a:r>
+                      <a:endParaRPr lang="en-US" dirty="0"/>
+                    </a:p>
+                  </a:txBody>
+                  <a:tcPr anchor="ctr"/>
+                </a:tc>
+                <a:tc>
+                  <a:txBody>
+                    <a:bodyPr/>
+                    <a:lstStyle/>
+                    <a:p>
+                      <a:pPr algn="ctr"/>
+                      <a:r>
+                        <a:rPr lang="en-US" dirty="0" smtClean="0"/>
+                        <a:t>Path</a:t>
+                      </a:r>
+                      <a:endParaRPr lang="en-US" dirty="0"/>
+                    </a:p>
+                  </a:txBody>
+                  <a:tcPr anchor="ctr"/>
+                </a:tc>
+                <a:tc>
+                  <a:txBody>
+                    <a:bodyPr/>
+                    <a:lstStyle/>
+                    <a:p>
+                      <a:pPr algn="ctr"/>
+                      <a:r>
+                        <a:rPr lang="en-US" dirty="0" smtClean="0"/>
+                        <a:t>Description</a:t>
+                      </a:r>
+                      <a:endParaRPr lang="en-US" dirty="0"/>
+                    </a:p>
+                  </a:txBody>
+                  <a:tcPr anchor="ctr"/>
+                </a:tc>
+                <a:extLst>
+                  <a:ext uri="{0D108BD9-81ED-4DB2-BD59-A6C34878D82A}">
+                    <a16:rowId xmlns:a16="http://schemas.microsoft.com/office/drawing/2014/main" val="1477840188"/>
+                  </a:ext>
+                </a:extLst>
+              </a:tr>
+              <a:tr h="370840">
+                <a:tc>
+                  <a:txBody>
+                    <a:bodyPr/>
+                    <a:lstStyle/>
+                    <a:p>
+                      <a:pPr algn="ctr"/>
+                      <a:r>
+                        <a:rPr lang="en-US" dirty="0" smtClean="0"/>
+                        <a:t>POST</a:t>
+                      </a:r>
+                      <a:endParaRPr lang="en-US" dirty="0"/>
+                    </a:p>
+                  </a:txBody>
+                  <a:tcPr anchor="ctr"/>
+                </a:tc>
+                <a:tc>
+                  <a:txBody>
+                    <a:bodyPr/>
+                    <a:lstStyle/>
+                    <a:p>
+                      <a:r>
+                        <a:rPr lang="en-US" sz="1800" b="0" i="0" kern="1200" dirty="0" smtClean="0">
+                          <a:solidFill>
+                            <a:schemeClr val="dk1"/>
+                          </a:solidFill>
+                          <a:effectLst/>
+                          <a:latin typeface="+mn-lt"/>
+                          <a:ea typeface="+mn-ea"/>
+                          <a:cs typeface="+mn-cs"/>
+                        </a:rPr>
+                        <a:t>http://localhost:8080/register</a:t>
+                      </a:r>
+                      <a:endParaRPr lang="en-US" dirty="0"/>
+                    </a:p>
+                  </a:txBody>
+                  <a:tcPr anchor="ctr"/>
+                </a:tc>
+                <a:tc>
+                  <a:txBody>
+                    <a:bodyPr/>
+                    <a:lstStyle/>
+                    <a:p>
+                      <a:pPr algn="ctr"/>
+                      <a:r>
+                        <a:rPr lang="en-US" dirty="0" err="1" smtClean="0"/>
+                        <a:t>Tambah</a:t>
+                      </a:r>
+                      <a:r>
+                        <a:rPr lang="en-US" dirty="0" smtClean="0"/>
+                        <a:t> user </a:t>
+                      </a:r>
+                      <a:r>
+                        <a:rPr lang="en-US" dirty="0" err="1" smtClean="0"/>
+                        <a:t>baru</a:t>
+                      </a:r>
+                      <a:endParaRPr lang="en-US" dirty="0"/>
+                    </a:p>
+                  </a:txBody>
+                  <a:tcPr anchor="ctr"/>
+                </a:tc>
+                <a:extLst>
+                  <a:ext uri="{0D108BD9-81ED-4DB2-BD59-A6C34878D82A}">
+                    <a16:rowId xmlns:a16="http://schemas.microsoft.com/office/drawing/2014/main" val="2085520902"/>
+                  </a:ext>
+                </a:extLst>
+              </a:tr>
+              <a:tr h="370840">
+                <a:tc>
+                  <a:txBody>
+                    <a:bodyPr/>
+                    <a:lstStyle/>
+                    <a:p>
+                      <a:pPr algn="ctr"/>
+                      <a:r>
+                        <a:rPr lang="en-US" dirty="0" smtClean="0"/>
+                        <a:t>PUT</a:t>
+                      </a:r>
+                    </a:p>
+                  </a:txBody>
+                  <a:tcPr anchor="ctr"/>
+                </a:tc>
+                <a:tc>
+                  <a:txBody>
+                    <a:bodyPr/>
+                    <a:lstStyle/>
+                    <a:p>
+                      <a:r>
+                        <a:rPr lang="en-US" sz="1800" b="0" i="0" kern="1200" dirty="0" smtClean="0">
+                          <a:solidFill>
+                            <a:schemeClr val="dk1"/>
+                          </a:solidFill>
+                          <a:effectLst/>
+                          <a:latin typeface="+mn-lt"/>
+                          <a:ea typeface="+mn-ea"/>
+                          <a:cs typeface="+mn-cs"/>
+                        </a:rPr>
+                        <a:t>http://localhost:8080/login</a:t>
+                      </a:r>
+                      <a:endParaRPr lang="en-US" dirty="0"/>
+                    </a:p>
+                  </a:txBody>
+                  <a:tcPr anchor="ctr"/>
+                </a:tc>
+                <a:tc>
+                  <a:txBody>
+                    <a:bodyPr/>
+                    <a:lstStyle/>
+                    <a:p>
+                      <a:pPr algn="ctr"/>
+                      <a:r>
+                        <a:rPr lang="en-US" dirty="0" smtClean="0"/>
+                        <a:t>Login</a:t>
+                      </a:r>
+                      <a:endParaRPr lang="en-US" dirty="0"/>
+                    </a:p>
+                  </a:txBody>
+                  <a:tcPr anchor="ctr"/>
+                </a:tc>
+                <a:extLst>
+                  <a:ext uri="{0D108BD9-81ED-4DB2-BD59-A6C34878D82A}">
+                    <a16:rowId xmlns:a16="http://schemas.microsoft.com/office/drawing/2014/main" val="4129807943"/>
+                  </a:ext>
+                </a:extLst>
+              </a:tr>
+              <a:tr h="370840">
+                <a:tc>
+                  <a:txBody>
+                    <a:bodyPr/>
+                    <a:lstStyle/>
+                    <a:p>
+                      <a:pPr algn="ctr"/>
+                      <a:r>
+                        <a:rPr lang="en-US" dirty="0" smtClean="0"/>
+                        <a:t>GET</a:t>
+                      </a:r>
+                      <a:endParaRPr lang="en-US" dirty="0"/>
+                    </a:p>
+                  </a:txBody>
+                  <a:tcPr anchor="ctr"/>
+                </a:tc>
+                <a:tc>
+                  <a:txBody>
+                    <a:bodyPr/>
+                    <a:lstStyle/>
+                    <a:p>
+                      <a:r>
+                        <a:rPr lang="en-US" sz="1800" b="0" i="0" kern="1200" dirty="0" smtClean="0">
+                          <a:solidFill>
+                            <a:schemeClr val="dk1"/>
+                          </a:solidFill>
+                          <a:effectLst/>
+                          <a:latin typeface="+mn-lt"/>
+                          <a:ea typeface="+mn-ea"/>
+                          <a:cs typeface="+mn-cs"/>
+                        </a:rPr>
+                        <a:t>http://localhost:8080/home/{username}</a:t>
+                      </a:r>
+                      <a:endParaRPr lang="en-US" dirty="0"/>
+                    </a:p>
+                  </a:txBody>
+                  <a:tcPr anchor="ctr"/>
+                </a:tc>
+                <a:tc>
+                  <a:txBody>
+                    <a:bodyPr/>
+                    <a:lstStyle/>
+                    <a:p>
+                      <a:pPr algn="ctr"/>
+                      <a:r>
+                        <a:rPr lang="en-US" dirty="0" err="1" smtClean="0"/>
+                        <a:t>Mengambil</a:t>
+                      </a:r>
+                      <a:r>
+                        <a:rPr lang="en-US" dirty="0" smtClean="0"/>
+                        <a:t> </a:t>
+                      </a:r>
+                      <a:r>
+                        <a:rPr lang="en-US" dirty="0" err="1" smtClean="0"/>
+                        <a:t>saldo</a:t>
+                      </a:r>
+                      <a:endParaRPr lang="en-US" dirty="0"/>
+                    </a:p>
+                  </a:txBody>
+                  <a:tcPr anchor="ctr"/>
+                </a:tc>
+                <a:extLst>
+                  <a:ext uri="{0D108BD9-81ED-4DB2-BD59-A6C34878D82A}">
+                    <a16:rowId xmlns:a16="http://schemas.microsoft.com/office/drawing/2014/main" val="3818336834"/>
+                  </a:ext>
+                </a:extLst>
+              </a:tr>
+              <a:tr h="370840">
+                <a:tc>
+                  <a:txBody>
+                    <a:bodyPr/>
+                    <a:lstStyle/>
+                    <a:p>
+                      <a:pPr algn="ctr"/>
+                      <a:r>
+                        <a:rPr lang="en-US" dirty="0" smtClean="0"/>
+                        <a:t>POST</a:t>
+                      </a:r>
+                      <a:endParaRPr lang="en-US" dirty="0"/>
+                    </a:p>
+                  </a:txBody>
+                  <a:tcPr anchor="ctr"/>
+                </a:tc>
+                <a:tc>
+                  <a:txBody>
+                    <a:bodyPr/>
+                    <a:lstStyle/>
+                    <a:p>
+                      <a:r>
+                        <a:rPr lang="en-US" sz="1800" b="0" i="0" kern="1200" dirty="0" smtClean="0">
+                          <a:solidFill>
+                            <a:schemeClr val="dk1"/>
+                          </a:solidFill>
+                          <a:effectLst/>
+                          <a:latin typeface="+mn-lt"/>
+                          <a:ea typeface="+mn-ea"/>
+                          <a:cs typeface="+mn-cs"/>
+                        </a:rPr>
+                        <a:t>http://localhost:8080/transfer</a:t>
+                      </a:r>
+                      <a:endParaRPr lang="en-US" dirty="0"/>
+                    </a:p>
+                  </a:txBody>
+                  <a:tcPr anchor="ctr"/>
+                </a:tc>
+                <a:tc>
+                  <a:txBody>
+                    <a:bodyPr/>
+                    <a:lstStyle/>
+                    <a:p>
+                      <a:pPr algn="ctr"/>
+                      <a:r>
+                        <a:rPr lang="en-US" dirty="0" smtClean="0"/>
+                        <a:t>Transfer</a:t>
+                      </a:r>
+                      <a:r>
+                        <a:rPr lang="en-US" baseline="0" dirty="0" smtClean="0"/>
+                        <a:t> </a:t>
+                      </a:r>
+                      <a:r>
+                        <a:rPr lang="en-US" baseline="0" dirty="0" err="1" smtClean="0"/>
+                        <a:t>uang</a:t>
+                      </a:r>
+                      <a:endParaRPr lang="en-US" dirty="0"/>
+                    </a:p>
+                  </a:txBody>
+                  <a:tcPr anchor="ctr"/>
+                </a:tc>
+                <a:extLst>
+                  <a:ext uri="{0D108BD9-81ED-4DB2-BD59-A6C34878D82A}">
+                    <a16:rowId xmlns:a16="http://schemas.microsoft.com/office/drawing/2014/main" val="2057511753"/>
+                  </a:ext>
+                </a:extLst>
+              </a:tr>
+              <a:tr h="370840">
+                <a:tc>
+                  <a:txBody>
+                    <a:bodyPr/>
+                    <a:lstStyle/>
+                    <a:p>
+                      <a:pPr algn="ctr"/>
+                      <a:r>
+                        <a:rPr lang="en-US" dirty="0" smtClean="0"/>
+                        <a:t>PUT</a:t>
+                      </a:r>
+                      <a:endParaRPr lang="en-US" dirty="0"/>
+                    </a:p>
+                  </a:txBody>
+                  <a:tcPr anchor="ctr"/>
+                </a:tc>
+                <a:tc>
+                  <a:txBody>
+                    <a:bodyPr/>
+                    <a:lstStyle/>
+                    <a:p>
+                      <a:r>
+                        <a:rPr lang="en-US" sz="1800" b="0" i="0" kern="1200" dirty="0" smtClean="0">
+                          <a:solidFill>
+                            <a:schemeClr val="dk1"/>
+                          </a:solidFill>
+                          <a:effectLst/>
+                          <a:latin typeface="+mn-lt"/>
+                          <a:ea typeface="+mn-ea"/>
+                          <a:cs typeface="+mn-cs"/>
+                        </a:rPr>
+                        <a:t>http://localhost:8080/logout/{username}</a:t>
+                      </a:r>
+                      <a:endParaRPr lang="en-US" dirty="0"/>
+                    </a:p>
+                  </a:txBody>
+                  <a:tcPr anchor="ctr"/>
+                </a:tc>
+                <a:tc>
+                  <a:txBody>
+                    <a:bodyPr/>
+                    <a:lstStyle/>
+                    <a:p>
+                      <a:pPr algn="ctr"/>
+                      <a:r>
+                        <a:rPr lang="en-US" dirty="0" smtClean="0"/>
+                        <a:t>Logout</a:t>
+                      </a:r>
+                      <a:endParaRPr lang="en-US" dirty="0"/>
+                    </a:p>
+                  </a:txBody>
+                  <a:tcPr anchor="ctr"/>
+                </a:tc>
+                <a:extLst>
+                  <a:ext uri="{0D108BD9-81ED-4DB2-BD59-A6C34878D82A}">
+                    <a16:rowId xmlns:a16="http://schemas.microsoft.com/office/drawing/2014/main" val="2113220830"/>
+                  </a:ext>
+                </a:extLst>
+              </a:tr>
+              <a:tr h="370840">
+                <a:tc>
+                  <a:txBody>
+                    <a:bodyPr/>
+                    <a:lstStyle/>
+                    <a:p>
+                      <a:pPr algn="ctr"/>
+                      <a:r>
+                        <a:rPr lang="en-US" dirty="0" smtClean="0"/>
+                        <a:t>POST</a:t>
+                      </a:r>
+                      <a:endParaRPr lang="en-US" dirty="0"/>
+                    </a:p>
+                  </a:txBody>
+                  <a:tcPr anchor="ctr"/>
+                </a:tc>
+                <a:tc>
+                  <a:txBody>
+                    <a:bodyPr/>
+                    <a:lstStyle/>
+                    <a:p>
+                      <a:r>
+                        <a:rPr lang="en-US" sz="1800" b="0" i="0" kern="1200" smtClean="0">
+                          <a:solidFill>
+                            <a:schemeClr val="dk1"/>
+                          </a:solidFill>
+                          <a:effectLst/>
+                          <a:latin typeface="+mn-lt"/>
+                          <a:ea typeface="+mn-ea"/>
+                          <a:cs typeface="+mn-cs"/>
+                        </a:rPr>
+                        <a:t>http://localhost:8080/mutasi</a:t>
+                      </a:r>
+                      <a:endParaRPr lang="en-US" dirty="0"/>
+                    </a:p>
+                  </a:txBody>
+                  <a:tcPr anchor="ctr"/>
+                </a:tc>
+                <a:tc>
+                  <a:txBody>
+                    <a:bodyPr/>
+                    <a:lstStyle/>
+                    <a:p>
+                      <a:pPr algn="ctr"/>
+                      <a:r>
+                        <a:rPr lang="en-US" dirty="0" err="1" smtClean="0"/>
+                        <a:t>Cek</a:t>
+                      </a:r>
+                      <a:r>
+                        <a:rPr lang="en-US" baseline="0" dirty="0" smtClean="0"/>
+                        <a:t> </a:t>
+                      </a:r>
+                      <a:r>
+                        <a:rPr lang="en-US" baseline="0" dirty="0" err="1" smtClean="0"/>
+                        <a:t>mutasi</a:t>
+                      </a:r>
+                      <a:endParaRPr lang="en-US" dirty="0"/>
+                    </a:p>
+                  </a:txBody>
+                  <a:tcPr anchor="ctr"/>
+                </a:tc>
+                <a:extLst>
+                  <a:ext uri="{0D108BD9-81ED-4DB2-BD59-A6C34878D82A}">
+                    <a16:rowId xmlns:a16="http://schemas.microsoft.com/office/drawing/2014/main" val="3269455189"/>
+                  </a:ext>
+                </a:extLst>
+              </a:tr>
+            </a:tbl>
+          </a:graphicData>
+        </a:graphic>
+      </p:graphicFrame>
+      <p:sp>
+        <p:nvSpPr>
+          <p:cNvPr id="3" name="Title 2"/>
+          <p:cNvSpPr>
+            <a:spLocks noGrp="1"/>
+          </p:cNvSpPr>
+          <p:nvPr>
+            <p:ph type="title"/>
+          </p:nvPr>
+        </p:nvSpPr>
+        <p:spPr/>
+        <p:txBody>
+          <a:bodyPr/>
+          <a:lstStyle/>
+          <a:p>
+            <a:r>
+              <a:rPr lang="en-US" dirty="0" smtClean="0"/>
+              <a:t>Path yang </a:t>
+            </a:r>
+            <a:r>
+              <a:rPr lang="en-US" dirty="0" err="1" smtClean="0"/>
+              <a:t>digunakan</a:t>
+            </a:r>
+            <a:endParaRPr lang="en-US" dirty="0"/>
+          </a:p>
+        </p:txBody>
+      </p:sp>
+      <p:sp>
+        <p:nvSpPr>
+          <p:cNvPr id="6" name="TextBox 5"/>
+          <p:cNvSpPr txBox="1"/>
+          <p:nvPr/>
+        </p:nvSpPr>
+        <p:spPr>
+          <a:xfrm flipH="1">
+            <a:off x="1097280" y="2062059"/>
+            <a:ext cx="2596897" cy="369332"/>
+          </a:xfrm>
+          <a:prstGeom prst="rect">
+            <a:avLst/>
+          </a:prstGeom>
+          <a:noFill/>
+        </p:spPr>
+        <p:txBody>
+          <a:bodyPr wrap="square" rtlCol="0">
+            <a:spAutoFit/>
+          </a:bodyPr>
+          <a:lstStyle/>
+          <a:p>
+            <a:r>
+              <a:rPr lang="en-US" dirty="0" smtClean="0"/>
+              <a:t>Mini Bank</a:t>
+            </a:r>
+            <a:endParaRPr lang="en-US" dirty="0"/>
+          </a:p>
+        </p:txBody>
+      </p:sp>
+    </p:spTree>
+    <p:extLst>
+      <p:ext uri="{BB962C8B-B14F-4D97-AF65-F5344CB8AC3E}">
+        <p14:creationId xmlns:p14="http://schemas.microsoft.com/office/powerpoint/2010/main" val="3338468132"/>
+      </p:ext>
+    </p:extLst>
+  </p:cSld>
+  <p:clrMapOvr>
+    <a:masterClrMapping/>
+  </p:clrMapOvr>
+</p:sld>
+</file>
+
+<file path=ppt/slides/slide12.xml><?xml version="1.0" encoding="utf-8"?>
+<p:sld xmlns:a="http://schemas.openxmlformats.org/drawingml/2006/main" xmlns:r="http://schemas.openxmlformats.org/officeDocument/2006/relationships" xmlns:p="http://schemas.openxmlformats.org/presentationml/2006/main">
+  <p:cSld>
+    <p:spTree>
+      <p:nvGrpSpPr>
+        <p:cNvPr id="1" name=""/>
+        <p:cNvGrpSpPr/>
+        <p:nvPr/>
+      </p:nvGrpSpPr>
+      <p:grpSpPr>
+        <a:xfrm>
+          <a:off x="0" y="0"/>
+          <a:ext cx="0" cy="0"/>
+          <a:chOff x="0" y="0"/>
+          <a:chExt cx="0" cy="0"/>
+        </a:xfrm>
+      </p:grpSpPr>
+      <p:graphicFrame>
+        <p:nvGraphicFramePr>
+          <p:cNvPr id="4" name="Content Placeholder 3"/>
+          <p:cNvGraphicFramePr>
+            <a:graphicFrameLocks noGrp="1"/>
+          </p:cNvGraphicFramePr>
+          <p:nvPr>
+            <p:ph idx="1"/>
+            <p:extLst>
+              <p:ext uri="{D42A27DB-BD31-4B8C-83A1-F6EECF244321}">
+                <p14:modId xmlns:p14="http://schemas.microsoft.com/office/powerpoint/2010/main" val="2469387594"/>
+              </p:ext>
+            </p:extLst>
+          </p:nvPr>
+        </p:nvGraphicFramePr>
+        <p:xfrm>
+          <a:off x="1097280" y="2693416"/>
+          <a:ext cx="10058400" cy="1854200"/>
+        </p:xfrm>
+        <a:graphic>
+          <a:graphicData uri="http://schemas.openxmlformats.org/drawingml/2006/table">
+            <a:tbl>
+              <a:tblPr firstRow="1" bandRow="1">
+                <a:tableStyleId>{5C22544A-7EE6-4342-B048-85BDC9FD1C3A}</a:tableStyleId>
+              </a:tblPr>
+              <a:tblGrid>
+                <a:gridCol w="1984565">
+                  <a:extLst>
+                    <a:ext uri="{9D8B030D-6E8A-4147-A177-3AD203B41FA5}">
+                      <a16:colId xmlns:a16="http://schemas.microsoft.com/office/drawing/2014/main" val="600260003"/>
+                    </a:ext>
+                  </a:extLst>
+                </a:gridCol>
+                <a:gridCol w="5678107">
+                  <a:extLst>
+                    <a:ext uri="{9D8B030D-6E8A-4147-A177-3AD203B41FA5}">
+                      <a16:colId xmlns:a16="http://schemas.microsoft.com/office/drawing/2014/main" val="2062212828"/>
+                    </a:ext>
+                  </a:extLst>
+                </a:gridCol>
+                <a:gridCol w="2395728">
+                  <a:extLst>
+                    <a:ext uri="{9D8B030D-6E8A-4147-A177-3AD203B41FA5}">
+                      <a16:colId xmlns:a16="http://schemas.microsoft.com/office/drawing/2014/main" val="414014008"/>
+                    </a:ext>
+                  </a:extLst>
+                </a:gridCol>
+              </a:tblGrid>
+              <a:tr h="370840">
+                <a:tc>
+                  <a:txBody>
+                    <a:bodyPr/>
+                    <a:lstStyle/>
+                    <a:p>
+                      <a:pPr algn="ctr"/>
+                      <a:r>
+                        <a:rPr lang="en-US" dirty="0" smtClean="0"/>
+                        <a:t>Method</a:t>
+                      </a:r>
+                      <a:endParaRPr lang="en-US" dirty="0"/>
+                    </a:p>
+                  </a:txBody>
+                  <a:tcPr anchor="ctr"/>
+                </a:tc>
+                <a:tc>
+                  <a:txBody>
+                    <a:bodyPr/>
+                    <a:lstStyle/>
+                    <a:p>
+                      <a:pPr algn="ctr"/>
+                      <a:r>
+                        <a:rPr lang="en-US" dirty="0" smtClean="0"/>
+                        <a:t>Path</a:t>
+                      </a:r>
+                      <a:endParaRPr lang="en-US" dirty="0"/>
+                    </a:p>
+                  </a:txBody>
+                  <a:tcPr anchor="ctr"/>
+                </a:tc>
+                <a:tc>
+                  <a:txBody>
+                    <a:bodyPr/>
+                    <a:lstStyle/>
+                    <a:p>
+                      <a:pPr algn="ctr"/>
+                      <a:r>
+                        <a:rPr lang="en-US" dirty="0" smtClean="0"/>
+                        <a:t>Description</a:t>
+                      </a:r>
+                      <a:endParaRPr lang="en-US" dirty="0"/>
+                    </a:p>
+                  </a:txBody>
+                  <a:tcPr anchor="ctr"/>
+                </a:tc>
+                <a:extLst>
+                  <a:ext uri="{0D108BD9-81ED-4DB2-BD59-A6C34878D82A}">
+                    <a16:rowId xmlns:a16="http://schemas.microsoft.com/office/drawing/2014/main" val="1715124455"/>
+                  </a:ext>
+                </a:extLst>
+              </a:tr>
+              <a:tr h="370840">
+                <a:tc>
+                  <a:txBody>
+                    <a:bodyPr/>
+                    <a:lstStyle/>
+                    <a:p>
+                      <a:pPr algn="ctr"/>
+                      <a:r>
+                        <a:rPr lang="en-US" dirty="0" smtClean="0"/>
+                        <a:t>POST</a:t>
+                      </a:r>
+                      <a:endParaRPr lang="en-US" dirty="0"/>
+                    </a:p>
+                  </a:txBody>
+                  <a:tcPr anchor="ctr"/>
+                </a:tc>
+                <a:tc>
+                  <a:txBody>
+                    <a:bodyPr/>
+                    <a:lstStyle/>
+                    <a:p>
+                      <a:r>
+                        <a:rPr lang="en-US" dirty="0" smtClean="0"/>
+                        <a:t>http://</a:t>
+                      </a:r>
+                      <a:r>
+                        <a:rPr lang="en-US" sz="1800" b="0" i="0" kern="1200" dirty="0" smtClean="0">
+                          <a:solidFill>
+                            <a:schemeClr val="dk1"/>
+                          </a:solidFill>
+                          <a:effectLst/>
+                          <a:latin typeface="+mn-lt"/>
+                          <a:ea typeface="+mn-ea"/>
+                          <a:cs typeface="+mn-cs"/>
+                        </a:rPr>
+                        <a:t>localhost:8990/dum/register</a:t>
+                      </a:r>
+                      <a:endParaRPr lang="en-US" dirty="0"/>
+                    </a:p>
+                  </a:txBody>
+                  <a:tcPr anchor="ctr"/>
+                </a:tc>
+                <a:tc>
+                  <a:txBody>
+                    <a:bodyPr/>
+                    <a:lstStyle/>
+                    <a:p>
+                      <a:pPr algn="ctr"/>
+                      <a:r>
+                        <a:rPr lang="en-US" dirty="0" smtClean="0"/>
+                        <a:t>Register</a:t>
+                      </a:r>
+                      <a:endParaRPr lang="en-US" dirty="0"/>
+                    </a:p>
+                  </a:txBody>
+                  <a:tcPr anchor="ctr"/>
+                </a:tc>
+                <a:extLst>
+                  <a:ext uri="{0D108BD9-81ED-4DB2-BD59-A6C34878D82A}">
+                    <a16:rowId xmlns:a16="http://schemas.microsoft.com/office/drawing/2014/main" val="361623410"/>
+                  </a:ext>
+                </a:extLst>
+              </a:tr>
+              <a:tr h="370840">
+                <a:tc>
+                  <a:txBody>
+                    <a:bodyPr/>
+                    <a:lstStyle/>
+                    <a:p>
+                      <a:pPr algn="ctr"/>
+                      <a:r>
+                        <a:rPr lang="en-US" dirty="0" smtClean="0"/>
+                        <a:t>PUT</a:t>
+                      </a:r>
+                      <a:endParaRPr lang="en-US" dirty="0"/>
+                    </a:p>
+                  </a:txBody>
+                  <a:tcPr anchor="ctr"/>
+                </a:tc>
+                <a:tc>
+                  <a:txBody>
+                    <a:bodyPr/>
+                    <a:lstStyle/>
+                    <a:p>
+                      <a:r>
+                        <a:rPr lang="en-US" sz="1800" b="0" i="0" kern="1200" dirty="0" smtClean="0">
+                          <a:solidFill>
+                            <a:schemeClr val="dk1"/>
+                          </a:solidFill>
+                          <a:effectLst/>
+                          <a:latin typeface="+mn-lt"/>
+                          <a:ea typeface="+mn-ea"/>
+                          <a:cs typeface="+mn-cs"/>
+                        </a:rPr>
+                        <a:t>http://localhost:8990/dum/login</a:t>
+                      </a:r>
+                      <a:endParaRPr lang="en-US" dirty="0"/>
+                    </a:p>
+                  </a:txBody>
+                  <a:tcPr anchor="ctr"/>
+                </a:tc>
+                <a:tc>
+                  <a:txBody>
+                    <a:bodyPr/>
+                    <a:lstStyle/>
+                    <a:p>
+                      <a:pPr algn="ctr"/>
+                      <a:r>
+                        <a:rPr lang="en-US" dirty="0" smtClean="0"/>
+                        <a:t>Login</a:t>
+                      </a:r>
+                      <a:endParaRPr lang="en-US" dirty="0"/>
+                    </a:p>
+                  </a:txBody>
+                  <a:tcPr anchor="ctr"/>
+                </a:tc>
+                <a:extLst>
+                  <a:ext uri="{0D108BD9-81ED-4DB2-BD59-A6C34878D82A}">
+                    <a16:rowId xmlns:a16="http://schemas.microsoft.com/office/drawing/2014/main" val="1990981964"/>
+                  </a:ext>
+                </a:extLst>
+              </a:tr>
+              <a:tr h="370840">
+                <a:tc>
+                  <a:txBody>
+                    <a:bodyPr/>
+                    <a:lstStyle/>
+                    <a:p>
+                      <a:pPr algn="ctr"/>
+                      <a:r>
+                        <a:rPr lang="en-US" dirty="0" smtClean="0"/>
+                        <a:t>GET</a:t>
+                      </a:r>
+                      <a:endParaRPr lang="en-US" dirty="0"/>
+                    </a:p>
+                  </a:txBody>
+                  <a:tcPr anchor="ctr"/>
+                </a:tc>
+                <a:tc>
+                  <a:txBody>
+                    <a:bodyPr/>
+                    <a:lstStyle/>
+                    <a:p>
+                      <a:r>
+                        <a:rPr lang="en-US" dirty="0" smtClean="0"/>
+                        <a:t>http://</a:t>
+                      </a:r>
+                      <a:r>
+                        <a:rPr lang="en-US" sz="1800" b="0" i="0" kern="1200" dirty="0" smtClean="0">
+                          <a:solidFill>
+                            <a:schemeClr val="dk1"/>
+                          </a:solidFill>
+                          <a:effectLst/>
+                          <a:latin typeface="+mn-lt"/>
+                          <a:ea typeface="+mn-ea"/>
+                          <a:cs typeface="+mn-cs"/>
+                        </a:rPr>
+                        <a:t>localhost:8990/dum/saldo/{username}</a:t>
+                      </a:r>
+                      <a:endParaRPr lang="en-US" dirty="0"/>
+                    </a:p>
+                  </a:txBody>
+                  <a:tcPr anchor="ctr"/>
+                </a:tc>
+                <a:tc>
+                  <a:txBody>
+                    <a:bodyPr/>
+                    <a:lstStyle/>
+                    <a:p>
+                      <a:pPr algn="ctr"/>
+                      <a:r>
+                        <a:rPr lang="en-US" dirty="0" smtClean="0"/>
+                        <a:t>Get </a:t>
+                      </a:r>
+                      <a:r>
+                        <a:rPr lang="en-US" dirty="0" err="1" smtClean="0"/>
+                        <a:t>saldo</a:t>
+                      </a:r>
+                      <a:endParaRPr lang="en-US" dirty="0"/>
+                    </a:p>
+                  </a:txBody>
+                  <a:tcPr anchor="ctr"/>
+                </a:tc>
+                <a:extLst>
+                  <a:ext uri="{0D108BD9-81ED-4DB2-BD59-A6C34878D82A}">
+                    <a16:rowId xmlns:a16="http://schemas.microsoft.com/office/drawing/2014/main" val="1890521112"/>
+                  </a:ext>
+                </a:extLst>
+              </a:tr>
+              <a:tr h="370840">
+                <a:tc>
+                  <a:txBody>
+                    <a:bodyPr/>
+                    <a:lstStyle/>
+                    <a:p>
+                      <a:pPr algn="ctr"/>
+                      <a:r>
+                        <a:rPr lang="en-US" dirty="0" smtClean="0"/>
+                        <a:t>PUT</a:t>
+                      </a:r>
+                      <a:endParaRPr lang="en-US" dirty="0"/>
+                    </a:p>
+                  </a:txBody>
+                  <a:tcPr anchor="ctr"/>
+                </a:tc>
+                <a:tc>
+                  <a:txBody>
+                    <a:bodyPr/>
+                    <a:lstStyle/>
+                    <a:p>
+                      <a:r>
+                        <a:rPr lang="en-US" sz="1800" b="0" i="0" kern="1200" dirty="0" smtClean="0">
+                          <a:solidFill>
+                            <a:schemeClr val="dk1"/>
+                          </a:solidFill>
+                          <a:effectLst/>
+                          <a:latin typeface="+mn-lt"/>
+                          <a:ea typeface="+mn-ea"/>
+                          <a:cs typeface="+mn-cs"/>
+                        </a:rPr>
+                        <a:t>http://localhost:8990/dum/logout/{username}</a:t>
+                      </a:r>
+                      <a:endParaRPr lang="en-US" dirty="0"/>
+                    </a:p>
+                  </a:txBody>
+                  <a:tcPr anchor="ctr"/>
+                </a:tc>
+                <a:tc>
+                  <a:txBody>
+                    <a:bodyPr/>
+                    <a:lstStyle/>
+                    <a:p>
+                      <a:pPr algn="ctr"/>
+                      <a:r>
+                        <a:rPr lang="en-US" dirty="0" smtClean="0"/>
+                        <a:t>Logout</a:t>
+                      </a:r>
+                      <a:endParaRPr lang="en-US" dirty="0"/>
+                    </a:p>
+                  </a:txBody>
+                  <a:tcPr anchor="ctr"/>
+                </a:tc>
+                <a:extLst>
+                  <a:ext uri="{0D108BD9-81ED-4DB2-BD59-A6C34878D82A}">
+                    <a16:rowId xmlns:a16="http://schemas.microsoft.com/office/drawing/2014/main" val="339793034"/>
+                  </a:ext>
+                </a:extLst>
+              </a:tr>
+            </a:tbl>
+          </a:graphicData>
+        </a:graphic>
+      </p:graphicFrame>
+      <p:sp>
+        <p:nvSpPr>
+          <p:cNvPr id="3" name="Title 2"/>
+          <p:cNvSpPr>
+            <a:spLocks noGrp="1"/>
+          </p:cNvSpPr>
+          <p:nvPr>
+            <p:ph type="title"/>
+          </p:nvPr>
+        </p:nvSpPr>
+        <p:spPr/>
+        <p:txBody>
+          <a:bodyPr/>
+          <a:lstStyle/>
+          <a:p>
+            <a:endParaRPr lang="en-US"/>
+          </a:p>
+        </p:txBody>
+      </p:sp>
+      <p:sp>
+        <p:nvSpPr>
+          <p:cNvPr id="5" name="TextBox 4"/>
+          <p:cNvSpPr txBox="1"/>
+          <p:nvPr/>
+        </p:nvSpPr>
+        <p:spPr>
+          <a:xfrm flipH="1">
+            <a:off x="1097280" y="2324084"/>
+            <a:ext cx="2596897" cy="369332"/>
+          </a:xfrm>
+          <a:prstGeom prst="rect">
+            <a:avLst/>
+          </a:prstGeom>
+          <a:noFill/>
+        </p:spPr>
+        <p:txBody>
+          <a:bodyPr wrap="square" rtlCol="0">
+            <a:spAutoFit/>
+          </a:bodyPr>
+          <a:lstStyle/>
+          <a:p>
+            <a:r>
+              <a:rPr lang="en-US" dirty="0" smtClean="0"/>
+              <a:t>Dummy Bank</a:t>
+            </a:r>
+            <a:endParaRPr lang="en-US" dirty="0"/>
+          </a:p>
+        </p:txBody>
+      </p:sp>
+    </p:spTree>
+    <p:extLst>
+      <p:ext uri="{BB962C8B-B14F-4D97-AF65-F5344CB8AC3E}">
+        <p14:creationId xmlns:p14="http://schemas.microsoft.com/office/powerpoint/2010/main" val="4044514974"/>
+      </p:ext>
+    </p:extLst>
+  </p:cSld>
+  <p:clrMapOvr>
+    <a:masterClrMapping/>
+  </p:clrMapOvr>
+</p:sld>
+</file>
+
+<file path=ppt/slides/slide13.xml><?xml version="1.0" encoding="utf-8"?>
+<p:sld xmlns:a="http://schemas.openxmlformats.org/drawingml/2006/main" xmlns:r="http://schemas.openxmlformats.org/officeDocument/2006/relationships" xmlns:p="http://schemas.openxmlformats.org/presentationml/2006/main">
+  <p:cSld>
+    <p:spTree>
+      <p:nvGrpSpPr>
+        <p:cNvPr id="1" name=""/>
+        <p:cNvGrpSpPr/>
+        <p:nvPr/>
+      </p:nvGrpSpPr>
+      <p:grpSpPr>
+        <a:xfrm>
+          <a:off x="0" y="0"/>
+          <a:ext cx="0" cy="0"/>
+          <a:chOff x="0" y="0"/>
+          <a:chExt cx="0" cy="0"/>
+        </a:xfrm>
+      </p:grpSpPr>
+      <p:sp>
+        <p:nvSpPr>
+          <p:cNvPr id="4" name="Title 3"/>
+          <p:cNvSpPr>
+            <a:spLocks noGrp="1"/>
+          </p:cNvSpPr>
+          <p:nvPr>
+            <p:ph type="title"/>
+          </p:nvPr>
+        </p:nvSpPr>
+        <p:spPr/>
+        <p:txBody>
+          <a:bodyPr/>
+          <a:lstStyle/>
+          <a:p>
+            <a:r>
+              <a:rPr lang="en-US" dirty="0" smtClean="0"/>
+              <a:t>Thank You</a:t>
+            </a:r>
+            <a:endParaRPr lang="en-US" dirty="0"/>
+          </a:p>
+        </p:txBody>
+      </p:sp>
+      <p:sp>
+        <p:nvSpPr>
+          <p:cNvPr id="5" name="Text Placeholder 4"/>
+          <p:cNvSpPr>
+            <a:spLocks noGrp="1"/>
+          </p:cNvSpPr>
+          <p:nvPr>
+            <p:ph type="body" idx="1"/>
+          </p:nvPr>
+        </p:nvSpPr>
+        <p:spPr/>
+        <p:txBody>
+          <a:bodyPr/>
+          <a:lstStyle/>
+          <a:p>
+            <a:endParaRPr lang="en-US"/>
+          </a:p>
+        </p:txBody>
+      </p:sp>
+    </p:spTree>
+    <p:extLst>
+      <p:ext uri="{BB962C8B-B14F-4D97-AF65-F5344CB8AC3E}">
+        <p14:creationId xmlns:p14="http://schemas.microsoft.com/office/powerpoint/2010/main" val="3465522564"/>
+      </p:ext>
+    </p:extLst>
+  </p:cSld>
+  <p:clrMapOvr>
+    <a:masterClrMapping/>
+  </p:clrMapOvr>
+</p:sld>
+</file>
+
 <file path=ppt/slides/slide2.xml><?xml version="1.0" encoding="utf-8"?>
 <p:sld xmlns:a="http://schemas.openxmlformats.org/drawingml/2006/main" xmlns:r="http://schemas.openxmlformats.org/officeDocument/2006/relationships" xmlns:p="http://schemas.openxmlformats.org/presentationml/2006/main">
   <p:cSld>
@@ -8273,6 +9441,10 @@
           <a:bodyPr/>
           <a:lstStyle/>
           <a:p>
+            <a:pPr>
+              <a:buFont typeface="Arial" panose="020B0604020202020204" pitchFamily="34" charset="0"/>
+              <a:buChar char="•"/>
+            </a:pPr>
             <a:r>
               <a:rPr lang="en-US" dirty="0" smtClean="0"/>
               <a:t>Mobile banking </a:t>
@@ -8332,9 +9504,17 @@
             <a:endParaRPr lang="en-US" dirty="0" smtClean="0"/>
           </a:p>
           <a:p>
+            <a:pPr>
+              <a:buFont typeface="Arial" panose="020B0604020202020204" pitchFamily="34" charset="0"/>
+              <a:buChar char="•"/>
+            </a:pPr>
             <a:endParaRPr lang="en-US" dirty="0" smtClean="0"/>
           </a:p>
           <a:p>
+            <a:pPr>
+              <a:buFont typeface="Arial" panose="020B0604020202020204" pitchFamily="34" charset="0"/>
+              <a:buChar char="•"/>
+            </a:pPr>
             <a:r>
               <a:rPr lang="en-US" dirty="0" smtClean="0"/>
               <a:t>Mobile banking </a:t>
@@ -8373,7 +9553,10 @@
             </a:r>
           </a:p>
           <a:p>
-            <a:pPr lvl="1"/>
+            <a:pPr lvl="1">
+              <a:buFont typeface="Arial" panose="020B0604020202020204" pitchFamily="34" charset="0"/>
+              <a:buChar char="•"/>
+            </a:pPr>
             <a:r>
               <a:rPr lang="en-US" dirty="0" err="1" smtClean="0"/>
               <a:t>Cek</a:t>
@@ -8389,7 +9572,10 @@
             <a:endParaRPr lang="en-US" dirty="0" smtClean="0"/>
           </a:p>
           <a:p>
-            <a:pPr lvl="1"/>
+            <a:pPr lvl="1">
+              <a:buFont typeface="Arial" panose="020B0604020202020204" pitchFamily="34" charset="0"/>
+              <a:buChar char="•"/>
+            </a:pPr>
             <a:r>
               <a:rPr lang="en-US" dirty="0" err="1" smtClean="0"/>
               <a:t>Mutasi</a:t>
@@ -8405,7 +9591,10 @@
             <a:endParaRPr lang="en-US" dirty="0" smtClean="0"/>
           </a:p>
           <a:p>
-            <a:pPr lvl="1"/>
+            <a:pPr lvl="1">
+              <a:buFont typeface="Arial" panose="020B0604020202020204" pitchFamily="34" charset="0"/>
+              <a:buChar char="•"/>
+            </a:pPr>
             <a:r>
               <a:rPr lang="en-US" dirty="0" smtClean="0"/>
               <a:t>Transfer </a:t>
@@ -8556,6 +9745,10 @@
           <a:bodyPr/>
           <a:lstStyle/>
           <a:p>
+            <a:pPr>
+              <a:buFont typeface="Arial" panose="020B0604020202020204" pitchFamily="34" charset="0"/>
+              <a:buChar char="•"/>
+            </a:pPr>
             <a:r>
               <a:rPr lang="en-US" dirty="0" err="1" smtClean="0"/>
               <a:t>Menawarkan</a:t>
@@ -8598,6 +9791,10 @@
             </a:r>
           </a:p>
           <a:p>
+            <a:pPr>
+              <a:buFont typeface="Arial" panose="020B0604020202020204" pitchFamily="34" charset="0"/>
+              <a:buChar char="•"/>
+            </a:pPr>
             <a:r>
               <a:rPr lang="en-US" dirty="0" err="1" smtClean="0"/>
               <a:t>Mempermudah</a:t>
@@ -8672,6 +9869,10 @@
             </a:r>
           </a:p>
           <a:p>
+            <a:pPr>
+              <a:buFont typeface="Arial" panose="020B0604020202020204" pitchFamily="34" charset="0"/>
+              <a:buChar char="•"/>
+            </a:pPr>
             <a:r>
               <a:rPr lang="en-US" dirty="0" err="1" smtClean="0"/>
               <a:t>Mengurangi</a:t>
@@ -8695,6 +9896,10 @@
             <a:endParaRPr lang="en-US" dirty="0"/>
           </a:p>
           <a:p>
+            <a:pPr>
+              <a:buFont typeface="Arial" panose="020B0604020202020204" pitchFamily="34" charset="0"/>
+              <a:buChar char="•"/>
+            </a:pPr>
             <a:r>
               <a:rPr lang="en-US" dirty="0" err="1" smtClean="0"/>
               <a:t>Mengurangi</a:t>
@@ -8713,6 +9918,10 @@
             </a:r>
           </a:p>
           <a:p>
+            <a:pPr>
+              <a:buFont typeface="Arial" panose="020B0604020202020204" pitchFamily="34" charset="0"/>
+              <a:buChar char="•"/>
+            </a:pPr>
             <a:r>
               <a:rPr lang="en-US" dirty="0" err="1" smtClean="0"/>
               <a:t>Memudahkan</a:t>
@@ -8760,8 +9969,9 @@
             <a:endParaRPr lang="en-US" dirty="0" smtClean="0"/>
           </a:p>
           <a:p>
-            <a:pPr marL="0" indent="0">
-              <a:buNone/>
+            <a:pPr>
+              <a:buFont typeface="Arial" panose="020B0604020202020204" pitchFamily="34" charset="0"/>
+              <a:buChar char="•"/>
             </a:pPr>
             <a:endParaRPr lang="en-US" dirty="0"/>
           </a:p>
@@ -8868,7 +10078,7 @@
             </a:pPr>
             <a:r>
               <a:rPr lang="en-US" sz="2800" dirty="0" smtClean="0"/>
-              <a:t>Login</a:t>
+              <a:t>Login/Logout</a:t>
             </a:r>
           </a:p>
           <a:p>
@@ -8944,6 +10154,216 @@
 </file>
 
 <file path=ppt/slides/slide6.xml><?xml version="1.0" encoding="utf-8"?>
+<p:sld xmlns:a="http://schemas.openxmlformats.org/drawingml/2006/main" xmlns:r="http://schemas.openxmlformats.org/officeDocument/2006/relationships" xmlns:p="http://schemas.openxmlformats.org/presentationml/2006/main">
+  <p:cSld>
+    <p:spTree>
+      <p:nvGrpSpPr>
+        <p:cNvPr id="1" name=""/>
+        <p:cNvGrpSpPr/>
+        <p:nvPr/>
+      </p:nvGrpSpPr>
+      <p:grpSpPr>
+        <a:xfrm>
+          <a:off x="0" y="0"/>
+          <a:ext cx="0" cy="0"/>
+          <a:chOff x="0" y="0"/>
+          <a:chExt cx="0" cy="0"/>
+        </a:xfrm>
+      </p:grpSpPr>
+      <p:pic>
+        <p:nvPicPr>
+          <p:cNvPr id="6" name="Picture 5"/>
+          <p:cNvPicPr>
+            <a:picLocks noChangeAspect="1"/>
+          </p:cNvPicPr>
+          <p:nvPr/>
+        </p:nvPicPr>
+        <p:blipFill>
+          <a:blip r:embed="rId2">
+            <a:extLst>
+              <a:ext uri="{28A0092B-C50C-407E-A947-70E740481C1C}">
+                <a14:useLocalDpi xmlns:a14="http://schemas.microsoft.com/office/drawing/2010/main" val="0"/>
+              </a:ext>
+            </a:extLst>
+          </a:blip>
+          <a:stretch>
+            <a:fillRect/>
+          </a:stretch>
+        </p:blipFill>
+        <p:spPr>
+          <a:xfrm>
+            <a:off x="780619" y="3234151"/>
+            <a:ext cx="3758184" cy="3758184"/>
+          </a:xfrm>
+          <a:prstGeom prst="rect">
+            <a:avLst/>
+          </a:prstGeom>
+        </p:spPr>
+      </p:pic>
+      <p:pic>
+        <p:nvPicPr>
+          <p:cNvPr id="7" name="Picture 6"/>
+          <p:cNvPicPr>
+            <a:picLocks noChangeAspect="1"/>
+          </p:cNvPicPr>
+          <p:nvPr/>
+        </p:nvPicPr>
+        <p:blipFill>
+          <a:blip r:embed="rId3">
+            <a:extLst>
+              <a:ext uri="{28A0092B-C50C-407E-A947-70E740481C1C}">
+                <a14:useLocalDpi xmlns:a14="http://schemas.microsoft.com/office/drawing/2010/main" val="0"/>
+              </a:ext>
+            </a:extLst>
+          </a:blip>
+          <a:stretch>
+            <a:fillRect/>
+          </a:stretch>
+        </p:blipFill>
+        <p:spPr>
+          <a:xfrm>
+            <a:off x="7962349" y="859517"/>
+            <a:ext cx="1718424" cy="1718424"/>
+          </a:xfrm>
+          <a:prstGeom prst="rect">
+            <a:avLst/>
+          </a:prstGeom>
+        </p:spPr>
+      </p:pic>
+      <p:pic>
+        <p:nvPicPr>
+          <p:cNvPr id="8" name="Picture 7"/>
+          <p:cNvPicPr>
+            <a:picLocks noChangeAspect="1"/>
+          </p:cNvPicPr>
+          <p:nvPr/>
+        </p:nvPicPr>
+        <p:blipFill>
+          <a:blip r:embed="rId4">
+            <a:extLst>
+              <a:ext uri="{28A0092B-C50C-407E-A947-70E740481C1C}">
+                <a14:useLocalDpi xmlns:a14="http://schemas.microsoft.com/office/drawing/2010/main" val="0"/>
+              </a:ext>
+            </a:extLst>
+          </a:blip>
+          <a:stretch>
+            <a:fillRect/>
+          </a:stretch>
+        </p:blipFill>
+        <p:spPr>
+          <a:xfrm>
+            <a:off x="3457192" y="2117840"/>
+            <a:ext cx="1488414" cy="1116311"/>
+          </a:xfrm>
+          <a:prstGeom prst="rect">
+            <a:avLst/>
+          </a:prstGeom>
+        </p:spPr>
+      </p:pic>
+      <p:pic>
+        <p:nvPicPr>
+          <p:cNvPr id="9" name="Picture 8"/>
+          <p:cNvPicPr>
+            <a:picLocks noChangeAspect="1"/>
+          </p:cNvPicPr>
+          <p:nvPr/>
+        </p:nvPicPr>
+        <p:blipFill>
+          <a:blip r:embed="rId5">
+            <a:extLst>
+              <a:ext uri="{28A0092B-C50C-407E-A947-70E740481C1C}">
+                <a14:useLocalDpi xmlns:a14="http://schemas.microsoft.com/office/drawing/2010/main" val="0"/>
+              </a:ext>
+            </a:extLst>
+          </a:blip>
+          <a:stretch>
+            <a:fillRect/>
+          </a:stretch>
+        </p:blipFill>
+        <p:spPr>
+          <a:xfrm>
+            <a:off x="8683752" y="3713886"/>
+            <a:ext cx="1994041" cy="1994041"/>
+          </a:xfrm>
+          <a:prstGeom prst="rect">
+            <a:avLst/>
+          </a:prstGeom>
+        </p:spPr>
+      </p:pic>
+      <p:pic>
+        <p:nvPicPr>
+          <p:cNvPr id="10" name="Picture 9"/>
+          <p:cNvPicPr>
+            <a:picLocks noChangeAspect="1"/>
+          </p:cNvPicPr>
+          <p:nvPr/>
+        </p:nvPicPr>
+        <p:blipFill>
+          <a:blip r:embed="rId6">
+            <a:extLst>
+              <a:ext uri="{28A0092B-C50C-407E-A947-70E740481C1C}">
+                <a14:useLocalDpi xmlns:a14="http://schemas.microsoft.com/office/drawing/2010/main" val="0"/>
+              </a:ext>
+            </a:extLst>
+          </a:blip>
+          <a:stretch>
+            <a:fillRect/>
+          </a:stretch>
+        </p:blipFill>
+        <p:spPr>
+          <a:xfrm>
+            <a:off x="1947580" y="605643"/>
+            <a:ext cx="1075701" cy="1972298"/>
+          </a:xfrm>
+          <a:prstGeom prst="rect">
+            <a:avLst/>
+          </a:prstGeom>
+        </p:spPr>
+      </p:pic>
+      <p:pic>
+        <p:nvPicPr>
+          <p:cNvPr id="11" name="Picture 10"/>
+          <p:cNvPicPr>
+            <a:picLocks noChangeAspect="1"/>
+          </p:cNvPicPr>
+          <p:nvPr/>
+        </p:nvPicPr>
+        <p:blipFill>
+          <a:blip r:embed="rId7">
+            <a:extLst>
+              <a:ext uri="{28A0092B-C50C-407E-A947-70E740481C1C}">
+                <a14:useLocalDpi xmlns:a14="http://schemas.microsoft.com/office/drawing/2010/main" val="0"/>
+              </a:ext>
+            </a:extLst>
+          </a:blip>
+          <a:stretch>
+            <a:fillRect/>
+          </a:stretch>
+        </p:blipFill>
+        <p:spPr>
+          <a:xfrm>
+            <a:off x="5060989" y="3759284"/>
+            <a:ext cx="3100576" cy="782896"/>
+          </a:xfrm>
+          <a:prstGeom prst="rect">
+            <a:avLst/>
+          </a:prstGeom>
+        </p:spPr>
+      </p:pic>
+    </p:spTree>
+    <p:extLst>
+      <p:ext uri="{BB962C8B-B14F-4D97-AF65-F5344CB8AC3E}">
+        <p14:creationId xmlns:p14="http://schemas.microsoft.com/office/powerpoint/2010/main" val="4189020360"/>
+      </p:ext>
+    </p:extLst>
+  </p:cSld>
+  <p:clrMapOvr>
+    <a:masterClrMapping/>
+  </p:clrMapOvr>
+</p:sld>
+</file>
+
+<file path=ppt/slides/slide7.xml><?xml version="1.0" encoding="utf-8"?>
 <p:sld xmlns:a="http://schemas.openxmlformats.org/drawingml/2006/main" xmlns:r="http://schemas.openxmlformats.org/officeDocument/2006/relationships" xmlns:p="http://schemas.openxmlformats.org/presentationml/2006/main">
   <p:cSld>
     <p:spTree>
@@ -9020,122 +10440,174 @@
           </a:p>
         </p:txBody>
       </p:sp>
-      <p:sp>
-        <p:nvSpPr>
-          <p:cNvPr id="5" name="TextBox 4"/>
-          <p:cNvSpPr txBox="1"/>
-          <p:nvPr/>
-        </p:nvSpPr>
-        <p:spPr>
-          <a:xfrm flipH="1">
-            <a:off x="7744966" y="5864868"/>
-            <a:ext cx="3739897" cy="261610"/>
-          </a:xfrm>
-          <a:prstGeom prst="rect">
-            <a:avLst/>
-          </a:prstGeom>
-          <a:noFill/>
-        </p:spPr>
-        <p:txBody>
-          <a:bodyPr wrap="square" rtlCol="0">
-            <a:spAutoFit/>
-          </a:bodyPr>
-          <a:lstStyle/>
-          <a:p>
-            <a:r>
-              <a:rPr lang="en-US" sz="1050" dirty="0">
-                <a:solidFill>
-                  <a:schemeClr val="bg1">
-                    <a:lumMod val="85000"/>
-                  </a:schemeClr>
-                </a:solidFill>
-              </a:rPr>
-              <a:t>Akan </a:t>
-            </a:r>
-            <a:r>
-              <a:rPr lang="en-US" sz="1050" dirty="0" err="1">
-                <a:solidFill>
-                  <a:schemeClr val="bg1">
-                    <a:lumMod val="85000"/>
-                  </a:schemeClr>
-                </a:solidFill>
-              </a:rPr>
-              <a:t>bertambah</a:t>
-            </a:r>
-            <a:r>
-              <a:rPr lang="en-US" sz="1050" dirty="0">
-                <a:solidFill>
-                  <a:schemeClr val="bg1">
-                    <a:lumMod val="85000"/>
-                  </a:schemeClr>
-                </a:solidFill>
-              </a:rPr>
-              <a:t> </a:t>
-            </a:r>
-            <a:r>
-              <a:rPr lang="en-US" sz="1050" dirty="0" err="1">
-                <a:solidFill>
-                  <a:schemeClr val="bg1">
-                    <a:lumMod val="85000"/>
-                  </a:schemeClr>
-                </a:solidFill>
-              </a:rPr>
-              <a:t>seiring</a:t>
-            </a:r>
-            <a:r>
-              <a:rPr lang="en-US" sz="1050" dirty="0">
-                <a:solidFill>
-                  <a:schemeClr val="bg1">
-                    <a:lumMod val="85000"/>
-                  </a:schemeClr>
-                </a:solidFill>
-              </a:rPr>
-              <a:t> </a:t>
-            </a:r>
-            <a:r>
-              <a:rPr lang="en-US" sz="1050" dirty="0" err="1">
-                <a:solidFill>
-                  <a:schemeClr val="bg1">
-                    <a:lumMod val="85000"/>
-                  </a:schemeClr>
-                </a:solidFill>
-              </a:rPr>
-              <a:t>disempurnakannya</a:t>
-            </a:r>
-            <a:r>
-              <a:rPr lang="en-US" sz="1050" dirty="0">
-                <a:solidFill>
-                  <a:schemeClr val="bg1">
-                    <a:lumMod val="85000"/>
-                  </a:schemeClr>
-                </a:solidFill>
-              </a:rPr>
-              <a:t> </a:t>
-            </a:r>
-            <a:r>
-              <a:rPr lang="en-US" sz="1050" dirty="0" err="1">
-                <a:solidFill>
-                  <a:schemeClr val="bg1">
-                    <a:lumMod val="85000"/>
-                  </a:schemeClr>
-                </a:solidFill>
-              </a:rPr>
-              <a:t>aplikasi</a:t>
-            </a:r>
-            <a:endParaRPr lang="en-US" sz="1050" dirty="0">
-              <a:solidFill>
-                <a:schemeClr val="bg1">
-                  <a:lumMod val="85000"/>
-                </a:schemeClr>
-              </a:solidFill>
-            </a:endParaRPr>
-          </a:p>
-        </p:txBody>
-      </p:sp>
     </p:spTree>
     <p:extLst>
       <p:ext uri="{BB962C8B-B14F-4D97-AF65-F5344CB8AC3E}">
         <p14:creationId xmlns:p14="http://schemas.microsoft.com/office/powerpoint/2010/main" val="2483939810"/>
+      </p:ext>
+    </p:extLst>
+  </p:cSld>
+  <p:clrMapOvr>
+    <a:masterClrMapping/>
+  </p:clrMapOvr>
+</p:sld>
+</file>
+
+<file path=ppt/slides/slide8.xml><?xml version="1.0" encoding="utf-8"?>
+<p:sld xmlns:a="http://schemas.openxmlformats.org/drawingml/2006/main" xmlns:r="http://schemas.openxmlformats.org/officeDocument/2006/relationships" xmlns:p="http://schemas.openxmlformats.org/presentationml/2006/main">
+  <p:cSld>
+    <p:spTree>
+      <p:nvGrpSpPr>
+        <p:cNvPr id="1" name=""/>
+        <p:cNvGrpSpPr/>
+        <p:nvPr/>
+      </p:nvGrpSpPr>
+      <p:grpSpPr>
+        <a:xfrm>
+          <a:off x="0" y="0"/>
+          <a:ext cx="0" cy="0"/>
+          <a:chOff x="0" y="0"/>
+          <a:chExt cx="0" cy="0"/>
+        </a:xfrm>
+      </p:grpSpPr>
+      <p:pic>
+        <p:nvPicPr>
+          <p:cNvPr id="4" name="Content Placeholder 3"/>
+          <p:cNvPicPr>
+            <a:picLocks noGrp="1" noChangeAspect="1"/>
+          </p:cNvPicPr>
+          <p:nvPr>
+            <p:ph idx="1"/>
+          </p:nvPr>
+        </p:nvPicPr>
+        <p:blipFill>
+          <a:blip r:embed="rId2">
+            <a:extLst>
+              <a:ext uri="{28A0092B-C50C-407E-A947-70E740481C1C}">
+                <a14:useLocalDpi xmlns:a14="http://schemas.microsoft.com/office/drawing/2010/main" val="0"/>
+              </a:ext>
+            </a:extLst>
+          </a:blip>
+          <a:stretch>
+            <a:fillRect/>
+          </a:stretch>
+        </p:blipFill>
+        <p:spPr>
+          <a:xfrm>
+            <a:off x="5448938" y="431747"/>
+            <a:ext cx="3543549" cy="5994506"/>
+          </a:xfrm>
+        </p:spPr>
+      </p:pic>
+      <p:sp>
+        <p:nvSpPr>
+          <p:cNvPr id="3" name="Title 2"/>
+          <p:cNvSpPr>
+            <a:spLocks noGrp="1"/>
+          </p:cNvSpPr>
+          <p:nvPr>
+            <p:ph type="title"/>
+          </p:nvPr>
+        </p:nvSpPr>
+        <p:spPr/>
+        <p:txBody>
+          <a:bodyPr/>
+          <a:lstStyle/>
+          <a:p>
+            <a:r>
+              <a:rPr lang="en-US" dirty="0" err="1" smtClean="0"/>
+              <a:t>UseCase</a:t>
+            </a:r>
+            <a:endParaRPr lang="en-US" dirty="0"/>
+          </a:p>
+        </p:txBody>
+      </p:sp>
+    </p:spTree>
+    <p:extLst>
+      <p:ext uri="{BB962C8B-B14F-4D97-AF65-F5344CB8AC3E}">
+        <p14:creationId xmlns:p14="http://schemas.microsoft.com/office/powerpoint/2010/main" val="547914828"/>
+      </p:ext>
+    </p:extLst>
+  </p:cSld>
+  <p:clrMapOvr>
+    <a:masterClrMapping/>
+  </p:clrMapOvr>
+</p:sld>
+</file>
+
+<file path=ppt/slides/slide9.xml><?xml version="1.0" encoding="utf-8"?>
+<p:sld xmlns:a="http://schemas.openxmlformats.org/drawingml/2006/main" xmlns:r="http://schemas.openxmlformats.org/officeDocument/2006/relationships" xmlns:p="http://schemas.openxmlformats.org/presentationml/2006/main">
+  <p:cSld>
+    <p:spTree>
+      <p:nvGrpSpPr>
+        <p:cNvPr id="1" name=""/>
+        <p:cNvGrpSpPr/>
+        <p:nvPr/>
+      </p:nvGrpSpPr>
+      <p:grpSpPr>
+        <a:xfrm>
+          <a:off x="0" y="0"/>
+          <a:ext cx="0" cy="0"/>
+          <a:chOff x="0" y="0"/>
+          <a:chExt cx="0" cy="0"/>
+        </a:xfrm>
+      </p:grpSpPr>
+      <p:pic>
+        <p:nvPicPr>
+          <p:cNvPr id="4" name="Content Placeholder 3"/>
+          <p:cNvPicPr>
+            <a:picLocks noGrp="1" noChangeAspect="1"/>
+          </p:cNvPicPr>
+          <p:nvPr>
+            <p:ph idx="1"/>
+          </p:nvPr>
+        </p:nvPicPr>
+        <p:blipFill>
+          <a:blip r:embed="rId2">
+            <a:extLst>
+              <a:ext uri="{28A0092B-C50C-407E-A947-70E740481C1C}">
+                <a14:useLocalDpi xmlns:a14="http://schemas.microsoft.com/office/drawing/2010/main" val="0"/>
+              </a:ext>
+            </a:extLst>
+          </a:blip>
+          <a:stretch>
+            <a:fillRect/>
+          </a:stretch>
+        </p:blipFill>
+        <p:spPr>
+          <a:xfrm>
+            <a:off x="962375" y="2116169"/>
+            <a:ext cx="10328209" cy="3489103"/>
+          </a:xfrm>
+        </p:spPr>
+      </p:pic>
+      <p:sp>
+        <p:nvSpPr>
+          <p:cNvPr id="3" name="Title 2"/>
+          <p:cNvSpPr>
+            <a:spLocks noGrp="1"/>
+          </p:cNvSpPr>
+          <p:nvPr>
+            <p:ph type="title"/>
+          </p:nvPr>
+        </p:nvSpPr>
+        <p:spPr/>
+        <p:txBody>
+          <a:bodyPr/>
+          <a:lstStyle/>
+          <a:p>
+            <a:r>
+              <a:rPr lang="en-US" dirty="0" smtClean="0"/>
+              <a:t>ERD</a:t>
+            </a:r>
+            <a:endParaRPr lang="en-US" dirty="0"/>
+          </a:p>
+        </p:txBody>
+      </p:sp>
+    </p:spTree>
+    <p:extLst>
+      <p:ext uri="{BB962C8B-B14F-4D97-AF65-F5344CB8AC3E}">
+        <p14:creationId xmlns:p14="http://schemas.microsoft.com/office/powerpoint/2010/main" val="560159034"/>
       </p:ext>
     </p:extLst>
   </p:cSld>
@@ -9429,21 +10901,21 @@
 </file>
 
 <file path=customXml/item1.xml><?xml version="1.0" encoding="utf-8"?>
+<?mso-contentType ?>
+<FormTemplates xmlns="http://schemas.microsoft.com/sharepoint/v3/contenttype/forms">
+  <Display>DocumentLibraryForm</Display>
+  <Edit>DocumentLibraryForm</Edit>
+  <New>DocumentLibraryForm</New>
+</FormTemplates>
+</file>
+
+<file path=customXml/item2.xml><?xml version="1.0" encoding="utf-8"?>
 <p:properties xmlns:p="http://schemas.microsoft.com/office/2006/metadata/properties" xmlns:xsi="http://www.w3.org/2001/XMLSchema-instance" xmlns:pc="http://schemas.microsoft.com/office/infopath/2007/PartnerControls">
   <documentManagement>
     <Status xmlns="71af3243-3dd4-4a8d-8c0d-dd76da1f02a5">Not started</Status>
     <MediaServiceKeyPoints xmlns="71af3243-3dd4-4a8d-8c0d-dd76da1f02a5" xsi:nil="true"/>
   </documentManagement>
 </p:properties>
-</file>
-
-<file path=customXml/item2.xml><?xml version="1.0" encoding="utf-8"?>
-<?mso-contentType ?>
-<FormTemplates xmlns="http://schemas.microsoft.com/sharepoint/v3/contenttype/forms">
-  <Display>DocumentLibraryForm</Display>
-  <Edit>DocumentLibraryForm</Edit>
-  <New>DocumentLibraryForm</New>
-</FormTemplates>
 </file>
 
 <file path=customXml/item3.xml><?xml version="1.0" encoding="utf-8"?>
@@ -9668,6 +11140,14 @@
 </file>
 
 <file path=customXml/itemProps1.xml><?xml version="1.0" encoding="utf-8"?>
+<ds:datastoreItem xmlns:ds="http://schemas.openxmlformats.org/officeDocument/2006/customXml" ds:itemID="{6A7FA506-1E93-4CA4-B270-1F08FD18C366}">
+  <ds:schemaRefs>
+    <ds:schemaRef ds:uri="http://schemas.microsoft.com/sharepoint/v3/contenttype/forms"/>
+  </ds:schemaRefs>
+</ds:datastoreItem>
+</file>
+
+<file path=customXml/itemProps2.xml><?xml version="1.0" encoding="utf-8"?>
 <ds:datastoreItem xmlns:ds="http://schemas.openxmlformats.org/officeDocument/2006/customXml" ds:itemID="{38F4328E-77DF-41E8-952F-124AE19F1F7C}">
   <ds:schemaRefs>
     <ds:schemaRef ds:uri="http://schemas.openxmlformats.org/package/2006/metadata/core-properties"/>
@@ -9680,14 +11160,6 @@
     <ds:schemaRef ds:uri="71af3243-3dd4-4a8d-8c0d-dd76da1f02a5"/>
     <ds:schemaRef ds:uri="http://purl.org/dc/dcmitype/"/>
     <ds:schemaRef ds:uri="http://purl.org/dc/elements/1.1/"/>
-  </ds:schemaRefs>
-</ds:datastoreItem>
-</file>
-
-<file path=customXml/itemProps2.xml><?xml version="1.0" encoding="utf-8"?>
-<ds:datastoreItem xmlns:ds="http://schemas.openxmlformats.org/officeDocument/2006/customXml" ds:itemID="{6A7FA506-1E93-4CA4-B270-1F08FD18C366}">
-  <ds:schemaRefs>
-    <ds:schemaRef ds:uri="http://schemas.microsoft.com/sharepoint/v3/contenttype/forms"/>
   </ds:schemaRefs>
 </ds:datastoreItem>
 </file>

--- a/Mini Mobile Banking.pptx
+++ b/Mini Mobile Banking.pptx
@@ -9333,7 +9333,7 @@
       </p:grpSpPr>
       <p:pic>
         <p:nvPicPr>
-          <p:cNvPr id="15" name="Picture Placeholder 23" descr="A group of people sitting at a table discussing plans">
+          <p:cNvPr id="15" name="Picture Placeholder 23">
             <a:extLst>
               <a:ext uri="{FF2B5EF4-FFF2-40B4-BE49-F238E27FC236}">
                 <a16:creationId xmlns:a16="http://schemas.microsoft.com/office/drawing/2014/main" id="{14641C01-C347-EE4E-A9B1-95BFFAA1ADA5}"/>
@@ -9348,84 +9348,24 @@
           </p:nvPr>
         </p:nvPicPr>
         <p:blipFill>
-          <a:blip r:embed="rId2" cstate="email">
-            <a:duotone>
-              <a:prstClr val="black"/>
-              <a:schemeClr val="accent6">
-                <a:tint val="45000"/>
-                <a:satMod val="400000"/>
-              </a:schemeClr>
-            </a:duotone>
-            <a:alphaModFix amt="85000"/>
+          <a:blip r:embed="rId2">
             <a:extLst>
               <a:ext uri="{28A0092B-C50C-407E-A947-70E740481C1C}">
-                <a14:useLocalDpi xmlns:a14="http://schemas.microsoft.com/office/drawing/2010/main"/>
+                <a14:useLocalDpi xmlns:a14="http://schemas.microsoft.com/office/drawing/2010/main" val="0"/>
               </a:ext>
             </a:extLst>
           </a:blip>
-          <a:srcRect/>
           <a:stretch>
             <a:fillRect/>
           </a:stretch>
         </p:blipFill>
         <p:spPr>
           <a:xfrm>
-            <a:off x="5654414" y="210249"/>
-            <a:ext cx="6089650" cy="6089650"/>
+            <a:off x="5489822" y="1106354"/>
+            <a:ext cx="6089650" cy="4436173"/>
           </a:xfrm>
         </p:spPr>
       </p:pic>
-      <p:sp>
-        <p:nvSpPr>
-          <p:cNvPr id="11" name="Title 10">
-            <a:extLst>
-              <a:ext uri="{FF2B5EF4-FFF2-40B4-BE49-F238E27FC236}">
-                <a16:creationId xmlns:a16="http://schemas.microsoft.com/office/drawing/2014/main" id="{09B206E8-59BD-1B4C-8912-9A0443F96A4F}"/>
-              </a:ext>
-            </a:extLst>
-          </p:cNvPr>
-          <p:cNvSpPr>
-            <a:spLocks noGrp="1"/>
-          </p:cNvSpPr>
-          <p:nvPr>
-            <p:ph type="title"/>
-          </p:nvPr>
-        </p:nvSpPr>
-        <p:spPr/>
-        <p:txBody>
-          <a:bodyPr/>
-          <a:lstStyle/>
-          <a:p>
-            <a:r>
-              <a:rPr lang="en-US" dirty="0" err="1" smtClean="0">
-                <a:sym typeface="Bodoni SvtyTwo ITC TT-Book"/>
-              </a:rPr>
-              <a:t>Apa</a:t>
-            </a:r>
-            <a:r>
-              <a:rPr lang="en-US" dirty="0" smtClean="0">
-                <a:sym typeface="Bodoni SvtyTwo ITC TT-Book"/>
-              </a:rPr>
-              <a:t> </a:t>
-            </a:r>
-            <a:r>
-              <a:rPr lang="en-US" dirty="0" err="1" smtClean="0">
-                <a:sym typeface="Bodoni SvtyTwo ITC TT-Book"/>
-              </a:rPr>
-              <a:t>sih</a:t>
-            </a:r>
-            <a:r>
-              <a:rPr lang="en-US" dirty="0" smtClean="0">
-                <a:sym typeface="Bodoni SvtyTwo ITC TT-Book"/>
-              </a:rPr>
-              <a:t>?</a:t>
-            </a:r>
-            <a:endParaRPr lang="en-US" dirty="0">
-              <a:sym typeface="Bodoni SvtyTwo ITC TT-Book"/>
-            </a:endParaRPr>
-          </a:p>
-        </p:txBody>
-      </p:sp>
       <p:sp>
         <p:nvSpPr>
           <p:cNvPr id="2" name="Content Placeholder 1"/>
@@ -9604,6 +9544,25 @@
               <a:t>uang</a:t>
             </a:r>
             <a:endParaRPr lang="en-US" dirty="0"/>
+          </a:p>
+        </p:txBody>
+      </p:sp>
+      <p:sp>
+        <p:nvSpPr>
+          <p:cNvPr id="3" name="Title 2"/>
+          <p:cNvSpPr>
+            <a:spLocks noGrp="1"/>
+          </p:cNvSpPr>
+          <p:nvPr>
+            <p:ph type="title"/>
+          </p:nvPr>
+        </p:nvSpPr>
+        <p:spPr/>
+        <p:txBody>
+          <a:bodyPr/>
+          <a:lstStyle/>
+          <a:p>
+            <a:endParaRPr lang="en-US"/>
           </a:p>
         </p:txBody>
       </p:sp>
@@ -9639,7 +9598,7 @@
       </p:grpSpPr>
       <p:pic>
         <p:nvPicPr>
-          <p:cNvPr id="15" name="Picture Placeholder 23" descr="A group of people sitting at a table discussing plans">
+          <p:cNvPr id="15" name="Picture Placeholder 23">
             <a:extLst>
               <a:ext uri="{FF2B5EF4-FFF2-40B4-BE49-F238E27FC236}">
                 <a16:creationId xmlns:a16="http://schemas.microsoft.com/office/drawing/2014/main" id="{14641C01-C347-EE4E-A9B1-95BFFAA1ADA5}"/>
@@ -9654,30 +9613,21 @@
           </p:nvPr>
         </p:nvPicPr>
         <p:blipFill>
-          <a:blip r:embed="rId2" cstate="email">
-            <a:duotone>
-              <a:prstClr val="black"/>
-              <a:schemeClr val="accent6">
-                <a:tint val="45000"/>
-                <a:satMod val="400000"/>
-              </a:schemeClr>
-            </a:duotone>
-            <a:alphaModFix amt="85000"/>
+          <a:blip r:embed="rId2">
             <a:extLst>
               <a:ext uri="{28A0092B-C50C-407E-A947-70E740481C1C}">
-                <a14:useLocalDpi xmlns:a14="http://schemas.microsoft.com/office/drawing/2010/main"/>
+                <a14:useLocalDpi xmlns:a14="http://schemas.microsoft.com/office/drawing/2010/main" val="0"/>
               </a:ext>
             </a:extLst>
           </a:blip>
-          <a:srcRect/>
           <a:stretch>
             <a:fillRect/>
           </a:stretch>
         </p:blipFill>
         <p:spPr>
           <a:xfrm>
-            <a:off x="448055" y="265303"/>
-            <a:ext cx="6089650" cy="6089650"/>
+            <a:off x="530351" y="758882"/>
+            <a:ext cx="5769865" cy="5270016"/>
           </a:xfrm>
         </p:spPr>
       </p:pic>

--- a/Mini Mobile Banking.pptx
+++ b/Mini Mobile Banking.pptx
@@ -8072,6 +8072,13 @@
   <p:clrMapOvr>
     <a:masterClrMapping/>
   </p:clrMapOvr>
+  <p:timing>
+    <p:tnLst>
+      <p:par>
+        <p:cTn id="1" dur="indefinite" restart="never" nodeType="tmRoot"/>
+      </p:par>
+    </p:tnLst>
+  </p:timing>
 </p:sld>
 </file>
 
@@ -8139,8 +8146,8 @@
         </p:blipFill>
         <p:spPr>
           <a:xfrm>
-            <a:off x="1999996" y="1865336"/>
-            <a:ext cx="8252968" cy="3578487"/>
+            <a:off x="2310134" y="1965920"/>
+            <a:ext cx="7632691" cy="4017849"/>
           </a:xfrm>
         </p:spPr>
       </p:pic>
@@ -8154,6 +8161,13 @@
   <p:clrMapOvr>
     <a:masterClrMapping/>
   </p:clrMapOvr>
+  <p:timing>
+    <p:tnLst>
+      <p:par>
+        <p:cTn id="1" dur="indefinite" restart="never" nodeType="tmRoot"/>
+      </p:par>
+    </p:tnLst>
+  </p:timing>
 </p:sld>
 </file>
 
@@ -8730,6 +8744,13 @@
   <p:clrMapOvr>
     <a:masterClrMapping/>
   </p:clrMapOvr>
+  <p:timing>
+    <p:tnLst>
+      <p:par>
+        <p:cTn id="1" dur="indefinite" restart="never" nodeType="tmRoot"/>
+      </p:par>
+    </p:tnLst>
+  </p:timing>
 </p:sld>
 </file>
 
@@ -8760,7 +8781,7 @@
             <p:ph idx="1"/>
             <p:extLst>
               <p:ext uri="{D42A27DB-BD31-4B8C-83A1-F6EECF244321}">
-                <p14:modId xmlns:p14="http://schemas.microsoft.com/office/powerpoint/2010/main" val="2469387594"/>
+                <p14:modId xmlns:p14="http://schemas.microsoft.com/office/powerpoint/2010/main" val="3812243615"/>
               </p:ext>
             </p:extLst>
           </p:nvPr>
@@ -8776,14 +8797,14 @@
                 <a:tableStyleId>{5C22544A-7EE6-4342-B048-85BDC9FD1C3A}</a:tableStyleId>
               </a:tblPr>
               <a:tblGrid>
-                <a:gridCol w="1984565">
+                <a:gridCol w="1591056">
                   <a:extLst>
                     <a:ext uri="{9D8B030D-6E8A-4147-A177-3AD203B41FA5}">
                       <a16:colId xmlns:a16="http://schemas.microsoft.com/office/drawing/2014/main" val="600260003"/>
                     </a:ext>
                   </a:extLst>
                 </a:gridCol>
-                <a:gridCol w="5678107">
+                <a:gridCol w="6071616">
                   <a:extLst>
                     <a:ext uri="{9D8B030D-6E8A-4147-A177-3AD203B41FA5}">
                       <a16:colId xmlns:a16="http://schemas.microsoft.com/office/drawing/2014/main" val="2062212828"/>
@@ -8885,7 +8906,31 @@
                           <a:ea typeface="+mn-ea"/>
                           <a:cs typeface="+mn-cs"/>
                         </a:rPr>
-                        <a:t>localhost:8990/dum/register</a:t>
+                        <a:t>localhost:8990/</a:t>
+                      </a:r>
+                      <a:r>
+                        <a:rPr lang="en-US" sz="1800" kern="1200" dirty="0" smtClean="0">
+                          <a:solidFill>
+                            <a:schemeClr val="dk1"/>
+                          </a:solidFill>
+                          <a:effectLst/>
+                          <a:latin typeface="+mn-lt"/>
+                          <a:ea typeface="+mn-ea"/>
+                          <a:cs typeface="+mn-cs"/>
+                        </a:rPr>
+                        <a:t>transfer</a:t>
+                      </a:r>
+                      <a:r>
+                        <a:rPr lang="en-US" sz="1800" b="0" i="0" kern="1200" dirty="0" smtClean="0">
+                          <a:solidFill>
+                            <a:schemeClr val="dk1"/>
+                          </a:solidFill>
+                          <a:effectLst/>
+                          <a:latin typeface="+mn-lt"/>
+                          <a:ea typeface="+mn-ea"/>
+                          <a:cs typeface="+mn-cs"/>
+                        </a:rPr>
+                        <a:t>/register</a:t>
                       </a:r>
                       <a:endParaRPr lang="en-US" dirty="0"/>
                     </a:p>
@@ -8944,7 +8989,43 @@
                           <a:ea typeface="+mn-ea"/>
                           <a:cs typeface="+mn-cs"/>
                         </a:rPr>
-                        <a:t>http://localhost:8990/dum/login</a:t>
+                        <a:t>http://</a:t>
+                      </a:r>
+                      <a:r>
+                        <a:rPr lang="en-US" sz="1800" b="0" i="0" kern="1200" dirty="0" smtClean="0">
+                          <a:solidFill>
+                            <a:schemeClr val="dk1"/>
+                          </a:solidFill>
+                          <a:effectLst/>
+                          <a:latin typeface="+mn-lt"/>
+                          <a:ea typeface="+mn-ea"/>
+                          <a:cs typeface="+mn-cs"/>
+                        </a:rPr>
+                        <a:t>localhost:8990/</a:t>
+                      </a:r>
+                      <a:r>
+                        <a:rPr lang="en-US" sz="1800" kern="1200" dirty="0" smtClean="0">
+                          <a:solidFill>
+                            <a:schemeClr val="dk1"/>
+                          </a:solidFill>
+                          <a:effectLst/>
+                          <a:latin typeface="+mn-lt"/>
+                          <a:ea typeface="+mn-ea"/>
+                          <a:cs typeface="+mn-cs"/>
+                        </a:rPr>
+                        <a:t>transfer</a:t>
+                      </a:r>
+                      <a:r>
+                        <a:rPr lang="en-US" sz="1800" b="0" i="0" kern="1200" dirty="0" smtClean="0">
+                          <a:solidFill>
+                            <a:schemeClr val="dk1"/>
+                          </a:solidFill>
+                          <a:effectLst/>
+                          <a:latin typeface="+mn-lt"/>
+                          <a:ea typeface="+mn-ea"/>
+                          <a:cs typeface="+mn-cs"/>
+                        </a:rPr>
+                        <a:t>/login</a:t>
                       </a:r>
                       <a:endParaRPr lang="en-US" dirty="0"/>
                     </a:p>
@@ -9007,7 +9088,43 @@
                           <a:ea typeface="+mn-ea"/>
                           <a:cs typeface="+mn-cs"/>
                         </a:rPr>
-                        <a:t>localhost:8990/dum/saldo/{username}</a:t>
+                        <a:t>localhost:8990/</a:t>
+                      </a:r>
+                      <a:r>
+                        <a:rPr lang="en-US" sz="1800" kern="1200" dirty="0" smtClean="0">
+                          <a:solidFill>
+                            <a:schemeClr val="dk1"/>
+                          </a:solidFill>
+                          <a:effectLst/>
+                          <a:latin typeface="+mn-lt"/>
+                          <a:ea typeface="+mn-ea"/>
+                          <a:cs typeface="+mn-cs"/>
+                        </a:rPr>
+                        <a:t>transfer</a:t>
+                      </a:r>
+                      <a:r>
+                        <a:rPr lang="en-US" sz="1800" b="0" i="0" kern="1200" dirty="0" smtClean="0">
+                          <a:solidFill>
+                            <a:schemeClr val="dk1"/>
+                          </a:solidFill>
+                          <a:effectLst/>
+                          <a:latin typeface="+mn-lt"/>
+                          <a:ea typeface="+mn-ea"/>
+                          <a:cs typeface="+mn-cs"/>
+                        </a:rPr>
+                        <a:t>/saldo</a:t>
+                      </a:r>
+                      <a:r>
+                        <a:rPr lang="en-US" sz="1800" b="0" i="0" kern="1200" dirty="0" smtClean="0">
+                          <a:solidFill>
+                            <a:schemeClr val="dk1"/>
+                          </a:solidFill>
+                          <a:effectLst/>
+                          <a:latin typeface="+mn-lt"/>
+                          <a:ea typeface="+mn-ea"/>
+                          <a:cs typeface="+mn-cs"/>
+                        </a:rPr>
+                        <a:t>/{username}</a:t>
                       </a:r>
                       <a:endParaRPr lang="en-US" dirty="0"/>
                     </a:p>
@@ -9070,7 +9187,55 @@
                           <a:ea typeface="+mn-ea"/>
                           <a:cs typeface="+mn-cs"/>
                         </a:rPr>
-                        <a:t>http://localhost:8990/dum/logout/{username}</a:t>
+                        <a:t>http://</a:t>
+                      </a:r>
+                      <a:r>
+                        <a:rPr lang="en-US" sz="1800" b="0" i="0" kern="1200" dirty="0" smtClean="0">
+                          <a:solidFill>
+                            <a:schemeClr val="dk1"/>
+                          </a:solidFill>
+                          <a:effectLst/>
+                          <a:latin typeface="+mn-lt"/>
+                          <a:ea typeface="+mn-ea"/>
+                          <a:cs typeface="+mn-cs"/>
+                        </a:rPr>
+                        <a:t>localhost:8990/</a:t>
+                      </a:r>
+                      <a:r>
+                        <a:rPr lang="en-US" sz="1800" kern="1200" dirty="0" smtClean="0">
+                          <a:solidFill>
+                            <a:schemeClr val="dk1"/>
+                          </a:solidFill>
+                          <a:effectLst/>
+                          <a:latin typeface="+mn-lt"/>
+                          <a:ea typeface="+mn-ea"/>
+                          <a:cs typeface="+mn-cs"/>
+                        </a:rPr>
+                        <a:t>transfer</a:t>
+                      </a:r>
+                      <a:r>
+                        <a:rPr lang="en-US" sz="1800" b="0" i="0" kern="1200" dirty="0" smtClean="0">
+                          <a:solidFill>
+                            <a:schemeClr val="dk1"/>
+                          </a:solidFill>
+                          <a:effectLst/>
+                          <a:latin typeface="+mn-lt"/>
+                          <a:ea typeface="+mn-ea"/>
+                          <a:cs typeface="+mn-cs"/>
+                        </a:rPr>
+                        <a:t>/logout</a:t>
+                      </a:r>
+                      <a:r>
+                        <a:rPr lang="en-US" sz="1800" b="0" i="0" kern="1200" dirty="0" smtClean="0">
+                          <a:solidFill>
+                            <a:schemeClr val="dk1"/>
+                          </a:solidFill>
+                          <a:effectLst/>
+                          <a:latin typeface="+mn-lt"/>
+                          <a:ea typeface="+mn-ea"/>
+                          <a:cs typeface="+mn-cs"/>
+                        </a:rPr>
+                        <a:t>/{username}</a:t>
                       </a:r>
                       <a:endParaRPr lang="en-US" dirty="0"/>
                     </a:p>
@@ -9144,8 +9309,16 @@
           <a:lstStyle/>
           <a:p>
             <a:r>
+              <a:rPr lang="en-US" dirty="0" err="1" smtClean="0"/>
+              <a:t>Antar</a:t>
+            </a:r>
+            <a:r>
               <a:rPr lang="en-US" dirty="0" smtClean="0"/>
-              <a:t>Dummy Bank</a:t>
+              <a:t> </a:t>
+            </a:r>
+            <a:r>
+              <a:rPr lang="en-US" dirty="0" smtClean="0"/>
+              <a:t>Bank</a:t>
             </a:r>
             <a:endParaRPr lang="en-US" dirty="0"/>
           </a:p>
@@ -9161,6 +9334,13 @@
   <p:clrMapOvr>
     <a:masterClrMapping/>
   </p:clrMapOvr>
+  <p:timing>
+    <p:tnLst>
+      <p:par>
+        <p:cTn id="1" dur="indefinite" restart="never" nodeType="tmRoot"/>
+      </p:par>
+    </p:tnLst>
+  </p:timing>
 </p:sld>
 </file>
 
@@ -9233,6 +9413,13 @@
   <p:clrMapOvr>
     <a:masterClrMapping/>
   </p:clrMapOvr>
+  <p:timing>
+    <p:tnLst>
+      <p:par>
+        <p:cTn id="1" dur="indefinite" restart="never" nodeType="tmRoot"/>
+      </p:par>
+    </p:tnLst>
+  </p:timing>
 </p:sld>
 </file>
 
@@ -9311,6 +9498,13 @@
   <p:clrMapOvr>
     <a:masterClrMapping/>
   </p:clrMapOvr>
+  <p:timing>
+    <p:tnLst>
+      <p:par>
+        <p:cTn id="1" dur="indefinite" restart="never" nodeType="tmRoot"/>
+      </p:par>
+    </p:tnLst>
+  </p:timing>
 </p:sld>
 </file>
 
@@ -9576,6 +9770,13 @@
   <p:clrMapOvr>
     <a:masterClrMapping/>
   </p:clrMapOvr>
+  <p:timing>
+    <p:tnLst>
+      <p:par>
+        <p:cTn id="1" dur="indefinite" restart="never" nodeType="tmRoot"/>
+      </p:par>
+    </p:tnLst>
+  </p:timing>
 </p:sld>
 </file>
 
@@ -9937,6 +10138,13 @@
   <p:clrMapOvr>
     <a:masterClrMapping/>
   </p:clrMapOvr>
+  <p:timing>
+    <p:tnLst>
+      <p:par>
+        <p:cTn id="1" dur="indefinite" restart="never" nodeType="tmRoot"/>
+      </p:par>
+    </p:tnLst>
+  </p:timing>
 </p:sld>
 </file>
 
@@ -10100,6 +10308,13 @@
   <p:clrMapOvr>
     <a:masterClrMapping/>
   </p:clrMapOvr>
+  <p:timing>
+    <p:tnLst>
+      <p:par>
+        <p:cTn id="1" dur="indefinite" restart="never" nodeType="tmRoot"/>
+      </p:par>
+    </p:tnLst>
+  </p:timing>
 </p:sld>
 </file>
 
@@ -10310,6 +10525,13 @@
   <p:clrMapOvr>
     <a:masterClrMapping/>
   </p:clrMapOvr>
+  <p:timing>
+    <p:tnLst>
+      <p:par>
+        <p:cTn id="1" dur="indefinite" restart="never" nodeType="tmRoot"/>
+      </p:par>
+    </p:tnLst>
+  </p:timing>
 </p:sld>
 </file>
 
@@ -10330,9 +10552,40 @@
           <a:chExt cx="0" cy="0"/>
         </a:xfrm>
       </p:grpSpPr>
+      <p:sp>
+        <p:nvSpPr>
+          <p:cNvPr id="3" name="Title 2"/>
+          <p:cNvSpPr>
+            <a:spLocks noGrp="1"/>
+          </p:cNvSpPr>
+          <p:nvPr>
+            <p:ph type="title"/>
+          </p:nvPr>
+        </p:nvSpPr>
+        <p:spPr/>
+        <p:txBody>
+          <a:bodyPr/>
+          <a:lstStyle/>
+          <a:p>
+            <a:r>
+              <a:rPr lang="en-US" dirty="0" err="1" smtClean="0"/>
+              <a:t>Alur</a:t>
+            </a:r>
+            <a:r>
+              <a:rPr lang="en-US" dirty="0" smtClean="0"/>
+              <a:t> </a:t>
+            </a:r>
+            <a:r>
+              <a:rPr lang="en-US" dirty="0" err="1" smtClean="0"/>
+              <a:t>Sistem</a:t>
+            </a:r>
+            <a:endParaRPr lang="en-US" dirty="0"/>
+          </a:p>
+        </p:txBody>
+      </p:sp>
       <p:pic>
         <p:nvPicPr>
-          <p:cNvPr id="4" name="Content Placeholder 3"/>
+          <p:cNvPr id="5" name="Content Placeholder 4"/>
           <p:cNvPicPr>
             <a:picLocks noGrp="1" noChangeAspect="1"/>
           </p:cNvPicPr>
@@ -10354,42 +10607,11 @@
         </p:blipFill>
         <p:spPr>
           <a:xfrm>
-            <a:off x="1280161" y="1530102"/>
-            <a:ext cx="9060050" cy="4596377"/>
+            <a:off x="1907535" y="2782538"/>
+            <a:ext cx="8437890" cy="2493550"/>
           </a:xfrm>
         </p:spPr>
       </p:pic>
-      <p:sp>
-        <p:nvSpPr>
-          <p:cNvPr id="3" name="Title 2"/>
-          <p:cNvSpPr>
-            <a:spLocks noGrp="1"/>
-          </p:cNvSpPr>
-          <p:nvPr>
-            <p:ph type="title"/>
-          </p:nvPr>
-        </p:nvSpPr>
-        <p:spPr/>
-        <p:txBody>
-          <a:bodyPr/>
-          <a:lstStyle/>
-          <a:p>
-            <a:r>
-              <a:rPr lang="en-US" dirty="0" err="1" smtClean="0"/>
-              <a:t>Alur</a:t>
-            </a:r>
-            <a:r>
-              <a:rPr lang="en-US" dirty="0" smtClean="0"/>
-              <a:t> </a:t>
-            </a:r>
-            <a:r>
-              <a:rPr lang="en-US" dirty="0" err="1" smtClean="0"/>
-              <a:t>Sistem</a:t>
-            </a:r>
-            <a:endParaRPr lang="en-US" dirty="0"/>
-          </a:p>
-        </p:txBody>
-      </p:sp>
     </p:spTree>
     <p:extLst>
       <p:ext uri="{BB962C8B-B14F-4D97-AF65-F5344CB8AC3E}">
@@ -10400,6 +10622,13 @@
   <p:clrMapOvr>
     <a:masterClrMapping/>
   </p:clrMapOvr>
+  <p:timing>
+    <p:tnLst>
+      <p:par>
+        <p:cTn id="1" dur="indefinite" restart="never" nodeType="tmRoot"/>
+      </p:par>
+    </p:tnLst>
+  </p:timing>
 </p:sld>
 </file>
 
@@ -10482,6 +10711,13 @@
   <p:clrMapOvr>
     <a:masterClrMapping/>
   </p:clrMapOvr>
+  <p:timing>
+    <p:tnLst>
+      <p:par>
+        <p:cTn id="1" dur="indefinite" restart="never" nodeType="tmRoot"/>
+      </p:par>
+    </p:tnLst>
+  </p:timing>
 </p:sld>
 </file>
 
@@ -10564,6 +10800,13 @@
   <p:clrMapOvr>
     <a:masterClrMapping/>
   </p:clrMapOvr>
+  <p:timing>
+    <p:tnLst>
+      <p:par>
+        <p:cTn id="1" dur="indefinite" restart="never" nodeType="tmRoot"/>
+      </p:par>
+    </p:tnLst>
+  </p:timing>
 </p:sld>
 </file>
 
@@ -10860,15 +11103,6 @@
 </file>
 
 <file path=customXml/item2.xml><?xml version="1.0" encoding="utf-8"?>
-<p:properties xmlns:p="http://schemas.microsoft.com/office/2006/metadata/properties" xmlns:xsi="http://www.w3.org/2001/XMLSchema-instance" xmlns:pc="http://schemas.microsoft.com/office/infopath/2007/PartnerControls">
-  <documentManagement>
-    <Status xmlns="71af3243-3dd4-4a8d-8c0d-dd76da1f02a5">Not started</Status>
-    <MediaServiceKeyPoints xmlns="71af3243-3dd4-4a8d-8c0d-dd76da1f02a5" xsi:nil="true"/>
-  </documentManagement>
-</p:properties>
-</file>
-
-<file path=customXml/item3.xml><?xml version="1.0" encoding="utf-8"?>
 <ct:contentTypeSchema xmlns:ct="http://schemas.microsoft.com/office/2006/metadata/contentType" xmlns:ma="http://schemas.microsoft.com/office/2006/metadata/properties/metaAttributes" ct:_="" ma:_="" ma:contentTypeName="Document" ma:contentTypeID="0x01010079F111ED35F8CC479449609E8A0923A6" ma:contentTypeVersion="12" ma:contentTypeDescription="Create a new document." ma:contentTypeScope="" ma:versionID="fa6e671f1cd7e4d96ff9652be322dd5e">
   <xsd:schema xmlns:xsd="http://www.w3.org/2001/XMLSchema" xmlns:xs="http://www.w3.org/2001/XMLSchema" xmlns:p="http://schemas.microsoft.com/office/2006/metadata/properties" xmlns:ns2="71af3243-3dd4-4a8d-8c0d-dd76da1f02a5" xmlns:ns3="16c05727-aa75-4e4a-9b5f-8a80a1165891" targetNamespace="http://schemas.microsoft.com/office/2006/metadata/properties" ma:root="true" ma:fieldsID="4e2496f70b101db0b8013f30a071bbf7" ns2:_="" ns3:_="">
     <xsd:import namespace="71af3243-3dd4-4a8d-8c0d-dd76da1f02a5"/>
@@ -11089,6 +11323,15 @@
 </ct:contentTypeSchema>
 </file>
 
+<file path=customXml/item3.xml><?xml version="1.0" encoding="utf-8"?>
+<p:properties xmlns:p="http://schemas.microsoft.com/office/2006/metadata/properties" xmlns:xsi="http://www.w3.org/2001/XMLSchema-instance" xmlns:pc="http://schemas.microsoft.com/office/infopath/2007/PartnerControls">
+  <documentManagement>
+    <Status xmlns="71af3243-3dd4-4a8d-8c0d-dd76da1f02a5">Not started</Status>
+    <MediaServiceKeyPoints xmlns="71af3243-3dd4-4a8d-8c0d-dd76da1f02a5" xsi:nil="true"/>
+  </documentManagement>
+</p:properties>
+</file>
+
 <file path=customXml/itemProps1.xml><?xml version="1.0" encoding="utf-8"?>
 <ds:datastoreItem xmlns:ds="http://schemas.openxmlformats.org/officeDocument/2006/customXml" ds:itemID="{6A7FA506-1E93-4CA4-B270-1F08FD18C366}">
   <ds:schemaRefs>
@@ -11098,23 +11341,6 @@
 </file>
 
 <file path=customXml/itemProps2.xml><?xml version="1.0" encoding="utf-8"?>
-<ds:datastoreItem xmlns:ds="http://schemas.openxmlformats.org/officeDocument/2006/customXml" ds:itemID="{38F4328E-77DF-41E8-952F-124AE19F1F7C}">
-  <ds:schemaRefs>
-    <ds:schemaRef ds:uri="http://schemas.openxmlformats.org/package/2006/metadata/core-properties"/>
-    <ds:schemaRef ds:uri="http://purl.org/dc/terms/"/>
-    <ds:schemaRef ds:uri="http://schemas.microsoft.com/office/2006/documentManagement/types"/>
-    <ds:schemaRef ds:uri="http://schemas.microsoft.com/office/infopath/2007/PartnerControls"/>
-    <ds:schemaRef ds:uri="http://schemas.microsoft.com/office/2006/metadata/properties"/>
-    <ds:schemaRef ds:uri="16c05727-aa75-4e4a-9b5f-8a80a1165891"/>
-    <ds:schemaRef ds:uri="http://www.w3.org/XML/1998/namespace"/>
-    <ds:schemaRef ds:uri="71af3243-3dd4-4a8d-8c0d-dd76da1f02a5"/>
-    <ds:schemaRef ds:uri="http://purl.org/dc/dcmitype/"/>
-    <ds:schemaRef ds:uri="http://purl.org/dc/elements/1.1/"/>
-  </ds:schemaRefs>
-</ds:datastoreItem>
-</file>
-
-<file path=customXml/itemProps3.xml><?xml version="1.0" encoding="utf-8"?>
 <ds:datastoreItem xmlns:ds="http://schemas.openxmlformats.org/officeDocument/2006/customXml" ds:itemID="{1F2FE978-FCBC-4C90-A410-B547AA706062}">
   <ds:schemaRefs>
     <ds:schemaRef ds:uri="http://schemas.microsoft.com/office/2006/metadata/contentType"/>
@@ -11131,4 +11357,21 @@
     <ds:schemaRef ds:uri="http://schemas.microsoft.com/internal/obd"/>
   </ds:schemaRefs>
 </ds:datastoreItem>
+</file>
+
+<file path=customXml/itemProps3.xml><?xml version="1.0" encoding="utf-8"?>
+<ds:datastoreItem xmlns:ds="http://schemas.openxmlformats.org/officeDocument/2006/customXml" ds:itemID="{38F4328E-77DF-41E8-952F-124AE19F1F7C}">
+  <ds:schemaRefs>
+    <ds:schemaRef ds:uri="http://schemas.microsoft.com/office/2006/documentManagement/types"/>
+    <ds:schemaRef ds:uri="http://purl.org/dc/elements/1.1/"/>
+    <ds:schemaRef ds:uri="http://purl.org/dc/terms/"/>
+    <ds:schemaRef ds:uri="http://schemas.microsoft.com/office/2006/metadata/properties"/>
+    <ds:schemaRef ds:uri="71af3243-3dd4-4a8d-8c0d-dd76da1f02a5"/>
+    <ds:schemaRef ds:uri="http://purl.org/dc/dcmitype/"/>
+    <ds:schemaRef ds:uri="http://www.w3.org/XML/1998/namespace"/>
+    <ds:schemaRef ds:uri="http://schemas.microsoft.com/office/infopath/2007/PartnerControls"/>
+    <ds:schemaRef ds:uri="http://schemas.openxmlformats.org/package/2006/metadata/core-properties"/>
+    <ds:schemaRef ds:uri="16c05727-aa75-4e4a-9b5f-8a80a1165891"/>
+  </ds:schemaRefs>
+</ds:datastoreItem>
 </file>
--- a/Mini Mobile Banking.pptx
+++ b/Mini Mobile Banking.pptx
@@ -327,7 +327,7 @@
           <a:p>
             <a:fld id="{9184DA70-C731-4C70-880D-CCD4705E623C}" type="datetime1">
               <a:rPr lang="en-US" smtClean="0"/>
-              <a:t>12/28/2020</a:t>
+              <a:t>12/29/2020</a:t>
             </a:fld>
             <a:endParaRPr lang="en-US" dirty="0"/>
           </a:p>
@@ -865,7 +865,7 @@
           <a:p>
             <a:fld id="{4EDE50D6-574B-40AF-946F-D52A04ADE379}" type="datetime1">
               <a:rPr lang="en-US" smtClean="0"/>
-              <a:t>12/28/2020</a:t>
+              <a:t>12/29/2020</a:t>
             </a:fld>
             <a:endParaRPr lang="en-US" dirty="0"/>
           </a:p>
@@ -1631,7 +1631,7 @@
           <a:p>
             <a:fld id="{4BE1D723-8F53-4F53-90B0-1982A396982E}" type="datetime1">
               <a:rPr lang="en-US" smtClean="0"/>
-              <a:t>12/28/2020</a:t>
+              <a:t>12/29/2020</a:t>
             </a:fld>
             <a:endParaRPr lang="en-US" dirty="0"/>
           </a:p>
@@ -2328,7 +2328,7 @@
           <a:p>
             <a:fld id="{4BE1D723-8F53-4F53-90B0-1982A396982E}" type="datetime1">
               <a:rPr lang="en-US" smtClean="0"/>
-              <a:t>12/28/2020</a:t>
+              <a:t>12/29/2020</a:t>
             </a:fld>
             <a:endParaRPr lang="en-US" dirty="0"/>
           </a:p>
@@ -3407,7 +3407,7 @@
           <a:p>
             <a:fld id="{97669AF7-7BEB-44E4-9852-375E34362B5B}" type="datetime1">
               <a:rPr lang="en-US" smtClean="0"/>
-              <a:t>12/28/2020</a:t>
+              <a:t>12/29/2020</a:t>
             </a:fld>
             <a:endParaRPr lang="en-US" dirty="0"/>
           </a:p>
@@ -4235,7 +4235,7 @@
           <a:p>
             <a:fld id="{BAAAC38D-0552-4C82-B593-E6124DFADBE2}" type="datetime1">
               <a:rPr lang="en-US" smtClean="0"/>
-              <a:t>12/28/2020</a:t>
+              <a:t>12/29/2020</a:t>
             </a:fld>
             <a:endParaRPr lang="en-US" dirty="0"/>
           </a:p>
@@ -5188,7 +5188,7 @@
           <a:p>
             <a:fld id="{D9DF0F1C-5577-4ACB-BB62-DF8F3C494C7E}" type="datetime1">
               <a:rPr lang="en-US" smtClean="0"/>
-              <a:t>12/28/2020</a:t>
+              <a:t>12/29/2020</a:t>
             </a:fld>
             <a:endParaRPr lang="en-US" dirty="0"/>
           </a:p>
@@ -5885,7 +5885,7 @@
           <a:p>
             <a:fld id="{1775B394-D9F9-4F0C-B15D-605F45CB9E9F}" type="datetime1">
               <a:rPr lang="en-US" smtClean="0"/>
-              <a:t>12/28/2020</a:t>
+              <a:t>12/29/2020</a:t>
             </a:fld>
             <a:endParaRPr lang="en-US" dirty="0"/>
           </a:p>
@@ -6582,7 +6582,7 @@
           <a:p>
             <a:fld id="{1775B394-D9F9-4F0C-B15D-605F45CB9E9F}" type="datetime1">
               <a:rPr lang="en-US" smtClean="0"/>
-              <a:t>12/28/2020</a:t>
+              <a:t>12/29/2020</a:t>
             </a:fld>
             <a:endParaRPr lang="en-US" dirty="0"/>
           </a:p>
@@ -7289,7 +7289,7 @@
           <a:p>
             <a:fld id="{39667345-2558-425A-8533-9BFDBCE15005}" type="datetime1">
               <a:rPr lang="en-US" smtClean="0"/>
-              <a:t>12/28/2020</a:t>
+              <a:t>12/29/2020</a:t>
             </a:fld>
             <a:endParaRPr lang="en-US" dirty="0"/>
           </a:p>
@@ -7512,7 +7512,7 @@
           <a:p>
             <a:fld id="{62D6E202-B606-4609-B914-27C9371A1F6D}" type="datetime1">
               <a:rPr lang="en-US" smtClean="0"/>
-              <a:t>12/28/2020</a:t>
+              <a:t>12/29/2020</a:t>
             </a:fld>
             <a:endParaRPr lang="en-US" dirty="0"/>
           </a:p>
@@ -8989,19 +8989,7 @@
                           <a:ea typeface="+mn-ea"/>
                           <a:cs typeface="+mn-cs"/>
                         </a:rPr>
-                        <a:t>http://</a:t>
-                      </a:r>
-                      <a:r>
-                        <a:rPr lang="en-US" sz="1800" b="0" i="0" kern="1200" dirty="0" smtClean="0">
-                          <a:solidFill>
-                            <a:schemeClr val="dk1"/>
-                          </a:solidFill>
-                          <a:effectLst/>
-                          <a:latin typeface="+mn-lt"/>
-                          <a:ea typeface="+mn-ea"/>
-                          <a:cs typeface="+mn-cs"/>
-                        </a:rPr>
-                        <a:t>localhost:8990/</a:t>
+                        <a:t>http://localhost:8990/</a:t>
                       </a:r>
                       <a:r>
                         <a:rPr lang="en-US" sz="1800" kern="1200" dirty="0" smtClean="0">
@@ -9112,19 +9100,7 @@
                           <a:ea typeface="+mn-ea"/>
                           <a:cs typeface="+mn-cs"/>
                         </a:rPr>
-                        <a:t>/saldo</a:t>
-                      </a:r>
-                      <a:r>
-                        <a:rPr lang="en-US" sz="1800" b="0" i="0" kern="1200" dirty="0" smtClean="0">
-                          <a:solidFill>
-                            <a:schemeClr val="dk1"/>
-                          </a:solidFill>
-                          <a:effectLst/>
-                          <a:latin typeface="+mn-lt"/>
-                          <a:ea typeface="+mn-ea"/>
-                          <a:cs typeface="+mn-cs"/>
-                        </a:rPr>
-                        <a:t>/{username}</a:t>
+                        <a:t>/saldo/{username}</a:t>
                       </a:r>
                       <a:endParaRPr lang="en-US" dirty="0"/>
                     </a:p>
@@ -9187,19 +9163,7 @@
                           <a:ea typeface="+mn-ea"/>
                           <a:cs typeface="+mn-cs"/>
                         </a:rPr>
-                        <a:t>http://</a:t>
-                      </a:r>
-                      <a:r>
-                        <a:rPr lang="en-US" sz="1800" b="0" i="0" kern="1200" dirty="0" smtClean="0">
-                          <a:solidFill>
-                            <a:schemeClr val="dk1"/>
-                          </a:solidFill>
-                          <a:effectLst/>
-                          <a:latin typeface="+mn-lt"/>
-                          <a:ea typeface="+mn-ea"/>
-                          <a:cs typeface="+mn-cs"/>
-                        </a:rPr>
-                        <a:t>localhost:8990/</a:t>
+                        <a:t>http://localhost:8990/</a:t>
                       </a:r>
                       <a:r>
                         <a:rPr lang="en-US" sz="1800" kern="1200" dirty="0" smtClean="0">
@@ -9223,19 +9187,7 @@
                           <a:ea typeface="+mn-ea"/>
                           <a:cs typeface="+mn-cs"/>
                         </a:rPr>
-                        <a:t>/logout</a:t>
-                      </a:r>
-                      <a:r>
-                        <a:rPr lang="en-US" sz="1800" b="0" i="0" kern="1200" dirty="0" smtClean="0">
-                          <a:solidFill>
-                            <a:schemeClr val="dk1"/>
-                          </a:solidFill>
-                          <a:effectLst/>
-                          <a:latin typeface="+mn-lt"/>
-                          <a:ea typeface="+mn-ea"/>
-                          <a:cs typeface="+mn-cs"/>
-                        </a:rPr>
-                        <a:t>/{username}</a:t>
+                        <a:t>/logout/{username}</a:t>
                       </a:r>
                       <a:endParaRPr lang="en-US" dirty="0"/>
                     </a:p>
@@ -9314,11 +9266,7 @@
             </a:r>
             <a:r>
               <a:rPr lang="en-US" dirty="0" smtClean="0"/>
-              <a:t> </a:t>
-            </a:r>
-            <a:r>
-              <a:rPr lang="en-US" dirty="0" smtClean="0"/>
-              <a:t>Bank</a:t>
+              <a:t> Bank</a:t>
             </a:r>
             <a:endParaRPr lang="en-US" dirty="0"/>
           </a:p>
@@ -11103,6 +11051,15 @@
 </file>
 
 <file path=customXml/item2.xml><?xml version="1.0" encoding="utf-8"?>
+<p:properties xmlns:p="http://schemas.microsoft.com/office/2006/metadata/properties" xmlns:xsi="http://www.w3.org/2001/XMLSchema-instance" xmlns:pc="http://schemas.microsoft.com/office/infopath/2007/PartnerControls">
+  <documentManagement>
+    <Status xmlns="71af3243-3dd4-4a8d-8c0d-dd76da1f02a5">Not started</Status>
+    <MediaServiceKeyPoints xmlns="71af3243-3dd4-4a8d-8c0d-dd76da1f02a5" xsi:nil="true"/>
+  </documentManagement>
+</p:properties>
+</file>
+
+<file path=customXml/item3.xml><?xml version="1.0" encoding="utf-8"?>
 <ct:contentTypeSchema xmlns:ct="http://schemas.microsoft.com/office/2006/metadata/contentType" xmlns:ma="http://schemas.microsoft.com/office/2006/metadata/properties/metaAttributes" ct:_="" ma:_="" ma:contentTypeName="Document" ma:contentTypeID="0x01010079F111ED35F8CC479449609E8A0923A6" ma:contentTypeVersion="12" ma:contentTypeDescription="Create a new document." ma:contentTypeScope="" ma:versionID="fa6e671f1cd7e4d96ff9652be322dd5e">
   <xsd:schema xmlns:xsd="http://www.w3.org/2001/XMLSchema" xmlns:xs="http://www.w3.org/2001/XMLSchema" xmlns:p="http://schemas.microsoft.com/office/2006/metadata/properties" xmlns:ns2="71af3243-3dd4-4a8d-8c0d-dd76da1f02a5" xmlns:ns3="16c05727-aa75-4e4a-9b5f-8a80a1165891" targetNamespace="http://schemas.microsoft.com/office/2006/metadata/properties" ma:root="true" ma:fieldsID="4e2496f70b101db0b8013f30a071bbf7" ns2:_="" ns3:_="">
     <xsd:import namespace="71af3243-3dd4-4a8d-8c0d-dd76da1f02a5"/>
@@ -11323,15 +11280,6 @@
 </ct:contentTypeSchema>
 </file>
 
-<file path=customXml/item3.xml><?xml version="1.0" encoding="utf-8"?>
-<p:properties xmlns:p="http://schemas.microsoft.com/office/2006/metadata/properties" xmlns:xsi="http://www.w3.org/2001/XMLSchema-instance" xmlns:pc="http://schemas.microsoft.com/office/infopath/2007/PartnerControls">
-  <documentManagement>
-    <Status xmlns="71af3243-3dd4-4a8d-8c0d-dd76da1f02a5">Not started</Status>
-    <MediaServiceKeyPoints xmlns="71af3243-3dd4-4a8d-8c0d-dd76da1f02a5" xsi:nil="true"/>
-  </documentManagement>
-</p:properties>
-</file>
-
 <file path=customXml/itemProps1.xml><?xml version="1.0" encoding="utf-8"?>
 <ds:datastoreItem xmlns:ds="http://schemas.openxmlformats.org/officeDocument/2006/customXml" ds:itemID="{6A7FA506-1E93-4CA4-B270-1F08FD18C366}">
   <ds:schemaRefs>
@@ -11341,6 +11289,23 @@
 </file>
 
 <file path=customXml/itemProps2.xml><?xml version="1.0" encoding="utf-8"?>
+<ds:datastoreItem xmlns:ds="http://schemas.openxmlformats.org/officeDocument/2006/customXml" ds:itemID="{38F4328E-77DF-41E8-952F-124AE19F1F7C}">
+  <ds:schemaRefs>
+    <ds:schemaRef ds:uri="http://schemas.microsoft.com/office/2006/documentManagement/types"/>
+    <ds:schemaRef ds:uri="http://purl.org/dc/elements/1.1/"/>
+    <ds:schemaRef ds:uri="http://purl.org/dc/terms/"/>
+    <ds:schemaRef ds:uri="http://schemas.microsoft.com/office/2006/metadata/properties"/>
+    <ds:schemaRef ds:uri="71af3243-3dd4-4a8d-8c0d-dd76da1f02a5"/>
+    <ds:schemaRef ds:uri="http://purl.org/dc/dcmitype/"/>
+    <ds:schemaRef ds:uri="http://www.w3.org/XML/1998/namespace"/>
+    <ds:schemaRef ds:uri="http://schemas.microsoft.com/office/infopath/2007/PartnerControls"/>
+    <ds:schemaRef ds:uri="http://schemas.openxmlformats.org/package/2006/metadata/core-properties"/>
+    <ds:schemaRef ds:uri="16c05727-aa75-4e4a-9b5f-8a80a1165891"/>
+  </ds:schemaRefs>
+</ds:datastoreItem>
+</file>
+
+<file path=customXml/itemProps3.xml><?xml version="1.0" encoding="utf-8"?>
 <ds:datastoreItem xmlns:ds="http://schemas.openxmlformats.org/officeDocument/2006/customXml" ds:itemID="{1F2FE978-FCBC-4C90-A410-B547AA706062}">
   <ds:schemaRefs>
     <ds:schemaRef ds:uri="http://schemas.microsoft.com/office/2006/metadata/contentType"/>
@@ -11357,21 +11322,4 @@
     <ds:schemaRef ds:uri="http://schemas.microsoft.com/internal/obd"/>
   </ds:schemaRefs>
 </ds:datastoreItem>
-</file>
-
-<file path=customXml/itemProps3.xml><?xml version="1.0" encoding="utf-8"?>
-<ds:datastoreItem xmlns:ds="http://schemas.openxmlformats.org/officeDocument/2006/customXml" ds:itemID="{38F4328E-77DF-41E8-952F-124AE19F1F7C}">
-  <ds:schemaRefs>
-    <ds:schemaRef ds:uri="http://schemas.microsoft.com/office/2006/documentManagement/types"/>
-    <ds:schemaRef ds:uri="http://purl.org/dc/elements/1.1/"/>
-    <ds:schemaRef ds:uri="http://purl.org/dc/terms/"/>
-    <ds:schemaRef ds:uri="http://schemas.microsoft.com/office/2006/metadata/properties"/>
-    <ds:schemaRef ds:uri="71af3243-3dd4-4a8d-8c0d-dd76da1f02a5"/>
-    <ds:schemaRef ds:uri="http://purl.org/dc/dcmitype/"/>
-    <ds:schemaRef ds:uri="http://www.w3.org/XML/1998/namespace"/>
-    <ds:schemaRef ds:uri="http://schemas.microsoft.com/office/infopath/2007/PartnerControls"/>
-    <ds:schemaRef ds:uri="http://schemas.openxmlformats.org/package/2006/metadata/core-properties"/>
-    <ds:schemaRef ds:uri="16c05727-aa75-4e4a-9b5f-8a80a1165891"/>
-  </ds:schemaRefs>
-</ds:datastoreItem>
 </file>
--- a/Mini Mobile Banking.pptx
+++ b/Mini Mobile Banking.pptx
@@ -17,7 +17,8 @@
     <p:sldId id="358" r:id="rId14"/>
     <p:sldId id="354" r:id="rId15"/>
     <p:sldId id="355" r:id="rId16"/>
-    <p:sldId id="357" r:id="rId17"/>
+    <p:sldId id="359" r:id="rId17"/>
+    <p:sldId id="357" r:id="rId18"/>
   </p:sldIdLst>
   <p:sldSz cx="12192000" cy="6858000"/>
   <p:notesSz cx="6858000" cy="9144000"/>
@@ -9316,6 +9317,82 @@
             <a:spLocks noGrp="1"/>
           </p:cNvSpPr>
           <p:nvPr>
+            <p:ph type="ctrTitle"/>
+          </p:nvPr>
+        </p:nvSpPr>
+        <p:spPr/>
+        <p:txBody>
+          <a:bodyPr/>
+          <a:lstStyle/>
+          <a:p>
+            <a:r>
+              <a:rPr lang="en-US" dirty="0" smtClean="0"/>
+              <a:t>Demo </a:t>
+            </a:r>
+            <a:r>
+              <a:rPr lang="en-US" dirty="0" err="1" smtClean="0"/>
+              <a:t>Applikasi</a:t>
+            </a:r>
+            <a:endParaRPr lang="en-US" dirty="0"/>
+          </a:p>
+        </p:txBody>
+      </p:sp>
+      <p:sp>
+        <p:nvSpPr>
+          <p:cNvPr id="5" name="Subtitle 4"/>
+          <p:cNvSpPr>
+            <a:spLocks noGrp="1"/>
+          </p:cNvSpPr>
+          <p:nvPr>
+            <p:ph type="subTitle" idx="1"/>
+          </p:nvPr>
+        </p:nvSpPr>
+        <p:spPr/>
+        <p:txBody>
+          <a:bodyPr/>
+          <a:lstStyle/>
+          <a:p>
+            <a:endParaRPr lang="en-US"/>
+          </a:p>
+        </p:txBody>
+      </p:sp>
+    </p:spTree>
+    <p:extLst>
+      <p:ext uri="{BB962C8B-B14F-4D97-AF65-F5344CB8AC3E}">
+        <p14:creationId xmlns:p14="http://schemas.microsoft.com/office/powerpoint/2010/main" val="3848820824"/>
+      </p:ext>
+    </p:extLst>
+  </p:cSld>
+  <p:clrMapOvr>
+    <a:masterClrMapping/>
+  </p:clrMapOvr>
+</p:sld>
+</file>
+
+<file path=ppt/slides/slide14.xml><?xml version="1.0" encoding="utf-8"?>
+<p:sld xmlns:a="http://schemas.openxmlformats.org/drawingml/2006/main" xmlns:r="http://schemas.openxmlformats.org/officeDocument/2006/relationships" xmlns:p="http://schemas.openxmlformats.org/presentationml/2006/main">
+  <p:cSld>
+    <p:spTree>
+      <p:nvGrpSpPr>
+        <p:cNvPr id="1" name=""/>
+        <p:cNvGrpSpPr/>
+        <p:nvPr/>
+      </p:nvGrpSpPr>
+      <p:grpSpPr>
+        <a:xfrm>
+          <a:off x="0" y="0"/>
+          <a:ext cx="0" cy="0"/>
+          <a:chOff x="0" y="0"/>
+          <a:chExt cx="0" cy="0"/>
+        </a:xfrm>
+      </p:grpSpPr>
+      <p:sp>
+        <p:nvSpPr>
+          <p:cNvPr id="4" name="Title 3"/>
+          <p:cNvSpPr>
+            <a:spLocks noGrp="1"/>
+          </p:cNvSpPr>
+          <p:nvPr>
             <p:ph type="title"/>
           </p:nvPr>
         </p:nvSpPr>
@@ -11051,15 +11128,6 @@
 </file>
 
 <file path=customXml/item2.xml><?xml version="1.0" encoding="utf-8"?>
-<p:properties xmlns:p="http://schemas.microsoft.com/office/2006/metadata/properties" xmlns:xsi="http://www.w3.org/2001/XMLSchema-instance" xmlns:pc="http://schemas.microsoft.com/office/infopath/2007/PartnerControls">
-  <documentManagement>
-    <Status xmlns="71af3243-3dd4-4a8d-8c0d-dd76da1f02a5">Not started</Status>
-    <MediaServiceKeyPoints xmlns="71af3243-3dd4-4a8d-8c0d-dd76da1f02a5" xsi:nil="true"/>
-  </documentManagement>
-</p:properties>
-</file>
-
-<file path=customXml/item3.xml><?xml version="1.0" encoding="utf-8"?>
 <ct:contentTypeSchema xmlns:ct="http://schemas.microsoft.com/office/2006/metadata/contentType" xmlns:ma="http://schemas.microsoft.com/office/2006/metadata/properties/metaAttributes" ct:_="" ma:_="" ma:contentTypeName="Document" ma:contentTypeID="0x01010079F111ED35F8CC479449609E8A0923A6" ma:contentTypeVersion="12" ma:contentTypeDescription="Create a new document." ma:contentTypeScope="" ma:versionID="fa6e671f1cd7e4d96ff9652be322dd5e">
   <xsd:schema xmlns:xsd="http://www.w3.org/2001/XMLSchema" xmlns:xs="http://www.w3.org/2001/XMLSchema" xmlns:p="http://schemas.microsoft.com/office/2006/metadata/properties" xmlns:ns2="71af3243-3dd4-4a8d-8c0d-dd76da1f02a5" xmlns:ns3="16c05727-aa75-4e4a-9b5f-8a80a1165891" targetNamespace="http://schemas.microsoft.com/office/2006/metadata/properties" ma:root="true" ma:fieldsID="4e2496f70b101db0b8013f30a071bbf7" ns2:_="" ns3:_="">
     <xsd:import namespace="71af3243-3dd4-4a8d-8c0d-dd76da1f02a5"/>
@@ -11280,6 +11348,15 @@
 </ct:contentTypeSchema>
 </file>
 
+<file path=customXml/item3.xml><?xml version="1.0" encoding="utf-8"?>
+<p:properties xmlns:p="http://schemas.microsoft.com/office/2006/metadata/properties" xmlns:xsi="http://www.w3.org/2001/XMLSchema-instance" xmlns:pc="http://schemas.microsoft.com/office/infopath/2007/PartnerControls">
+  <documentManagement>
+    <Status xmlns="71af3243-3dd4-4a8d-8c0d-dd76da1f02a5">Not started</Status>
+    <MediaServiceKeyPoints xmlns="71af3243-3dd4-4a8d-8c0d-dd76da1f02a5" xsi:nil="true"/>
+  </documentManagement>
+</p:properties>
+</file>
+
 <file path=customXml/itemProps1.xml><?xml version="1.0" encoding="utf-8"?>
 <ds:datastoreItem xmlns:ds="http://schemas.openxmlformats.org/officeDocument/2006/customXml" ds:itemID="{6A7FA506-1E93-4CA4-B270-1F08FD18C366}">
   <ds:schemaRefs>
@@ -11289,23 +11366,6 @@
 </file>
 
 <file path=customXml/itemProps2.xml><?xml version="1.0" encoding="utf-8"?>
-<ds:datastoreItem xmlns:ds="http://schemas.openxmlformats.org/officeDocument/2006/customXml" ds:itemID="{38F4328E-77DF-41E8-952F-124AE19F1F7C}">
-  <ds:schemaRefs>
-    <ds:schemaRef ds:uri="http://schemas.microsoft.com/office/2006/documentManagement/types"/>
-    <ds:schemaRef ds:uri="http://purl.org/dc/elements/1.1/"/>
-    <ds:schemaRef ds:uri="http://purl.org/dc/terms/"/>
-    <ds:schemaRef ds:uri="http://schemas.microsoft.com/office/2006/metadata/properties"/>
-    <ds:schemaRef ds:uri="71af3243-3dd4-4a8d-8c0d-dd76da1f02a5"/>
-    <ds:schemaRef ds:uri="http://purl.org/dc/dcmitype/"/>
-    <ds:schemaRef ds:uri="http://www.w3.org/XML/1998/namespace"/>
-    <ds:schemaRef ds:uri="http://schemas.microsoft.com/office/infopath/2007/PartnerControls"/>
-    <ds:schemaRef ds:uri="http://schemas.openxmlformats.org/package/2006/metadata/core-properties"/>
-    <ds:schemaRef ds:uri="16c05727-aa75-4e4a-9b5f-8a80a1165891"/>
-  </ds:schemaRefs>
-</ds:datastoreItem>
-</file>
-
-<file path=customXml/itemProps3.xml><?xml version="1.0" encoding="utf-8"?>
 <ds:datastoreItem xmlns:ds="http://schemas.openxmlformats.org/officeDocument/2006/customXml" ds:itemID="{1F2FE978-FCBC-4C90-A410-B547AA706062}">
   <ds:schemaRefs>
     <ds:schemaRef ds:uri="http://schemas.microsoft.com/office/2006/metadata/contentType"/>
@@ -11322,4 +11382,21 @@
     <ds:schemaRef ds:uri="http://schemas.microsoft.com/internal/obd"/>
   </ds:schemaRefs>
 </ds:datastoreItem>
+</file>
+
+<file path=customXml/itemProps3.xml><?xml version="1.0" encoding="utf-8"?>
+<ds:datastoreItem xmlns:ds="http://schemas.openxmlformats.org/officeDocument/2006/customXml" ds:itemID="{38F4328E-77DF-41E8-952F-124AE19F1F7C}">
+  <ds:schemaRefs>
+    <ds:schemaRef ds:uri="http://schemas.microsoft.com/office/2006/documentManagement/types"/>
+    <ds:schemaRef ds:uri="http://purl.org/dc/elements/1.1/"/>
+    <ds:schemaRef ds:uri="http://purl.org/dc/terms/"/>
+    <ds:schemaRef ds:uri="http://schemas.microsoft.com/office/2006/metadata/properties"/>
+    <ds:schemaRef ds:uri="71af3243-3dd4-4a8d-8c0d-dd76da1f02a5"/>
+    <ds:schemaRef ds:uri="http://purl.org/dc/dcmitype/"/>
+    <ds:schemaRef ds:uri="http://www.w3.org/XML/1998/namespace"/>
+    <ds:schemaRef ds:uri="http://schemas.microsoft.com/office/infopath/2007/PartnerControls"/>
+    <ds:schemaRef ds:uri="http://schemas.openxmlformats.org/package/2006/metadata/core-properties"/>
+    <ds:schemaRef ds:uri="16c05727-aa75-4e4a-9b5f-8a80a1165891"/>
+  </ds:schemaRefs>
+</ds:datastoreItem>
 </file>